--- a/Youtube analysis/ppt/black.pptx
+++ b/Youtube analysis/ppt/black.pptx
@@ -5,7 +5,7 @@
     <p:sldMasterId id="2147483660" r:id="rId1"/>
   </p:sldMasterIdLst>
   <p:notesMasterIdLst>
-    <p:notesMasterId r:id="rId13"/>
+    <p:notesMasterId r:id="rId12"/>
   </p:notesMasterIdLst>
   <p:sldIdLst>
     <p:sldId id="256" r:id="rId2"/>
@@ -18,7 +18,6 @@
     <p:sldId id="263" r:id="rId9"/>
     <p:sldId id="265" r:id="rId10"/>
     <p:sldId id="266" r:id="rId11"/>
-    <p:sldId id="259" r:id="rId12"/>
   </p:sldIdLst>
   <p:sldSz cx="12192000" cy="6858000"/>
   <p:notesSz cx="6858000" cy="9144000"/>
@@ -207,7 +206,7 @@
           <a:p>
             <a:fld id="{81D738B5-1DE2-45CC-AAD3-82DB5E52A56E}" type="datetimeFigureOut">
               <a:rPr lang="zh-TW" altLang="en-US" smtClean="0"/>
-              <a:t>2019/1/27</a:t>
+              <a:t>2019/1/28</a:t>
             </a:fld>
             <a:endParaRPr lang="zh-TW" altLang="en-US"/>
           </a:p>
@@ -559,90 +558,6 @@
 </p:notes>
 </file>
 
-<file path=ppt/notesSlides/notesSlide10.xml><?xml version="1.0" encoding="utf-8"?>
-<p:notes xmlns:a="http://schemas.openxmlformats.org/drawingml/2006/main" xmlns:r="http://schemas.openxmlformats.org/officeDocument/2006/relationships" xmlns:p="http://schemas.openxmlformats.org/presentationml/2006/main">
-  <p:cSld>
-    <p:spTree>
-      <p:nvGrpSpPr>
-        <p:cNvPr id="1" name=""/>
-        <p:cNvGrpSpPr/>
-        <p:nvPr/>
-      </p:nvGrpSpPr>
-      <p:grpSpPr>
-        <a:xfrm>
-          <a:off x="0" y="0"/>
-          <a:ext cx="0" cy="0"/>
-          <a:chOff x="0" y="0"/>
-          <a:chExt cx="0" cy="0"/>
-        </a:xfrm>
-      </p:grpSpPr>
-      <p:sp>
-        <p:nvSpPr>
-          <p:cNvPr id="2" name="投影片圖像版面配置區 1"/>
-          <p:cNvSpPr>
-            <a:spLocks noGrp="1" noRot="1" noChangeAspect="1"/>
-          </p:cNvSpPr>
-          <p:nvPr>
-            <p:ph type="sldImg"/>
-          </p:nvPr>
-        </p:nvSpPr>
-        <p:spPr/>
-      </p:sp>
-      <p:sp>
-        <p:nvSpPr>
-          <p:cNvPr id="3" name="備忘稿版面配置區 2"/>
-          <p:cNvSpPr>
-            <a:spLocks noGrp="1"/>
-          </p:cNvSpPr>
-          <p:nvPr>
-            <p:ph type="body" idx="1"/>
-          </p:nvPr>
-        </p:nvSpPr>
-        <p:spPr/>
-        <p:txBody>
-          <a:bodyPr/>
-          <a:lstStyle/>
-          <a:p>
-            <a:endParaRPr lang="zh-TW" altLang="en-US" dirty="0"/>
-          </a:p>
-        </p:txBody>
-      </p:sp>
-      <p:sp>
-        <p:nvSpPr>
-          <p:cNvPr id="4" name="投影片編號版面配置區 3"/>
-          <p:cNvSpPr>
-            <a:spLocks noGrp="1"/>
-          </p:cNvSpPr>
-          <p:nvPr>
-            <p:ph type="sldNum" sz="quarter" idx="10"/>
-          </p:nvPr>
-        </p:nvSpPr>
-        <p:spPr/>
-        <p:txBody>
-          <a:bodyPr/>
-          <a:lstStyle/>
-          <a:p>
-            <a:fld id="{06B75CEC-417C-47D8-A2CE-3D4A4A68AE32}" type="slidenum">
-              <a:rPr lang="zh-TW" altLang="en-US" smtClean="0"/>
-              <a:t>11</a:t>
-            </a:fld>
-            <a:endParaRPr lang="zh-TW" altLang="en-US"/>
-          </a:p>
-        </p:txBody>
-      </p:sp>
-    </p:spTree>
-    <p:extLst>
-      <p:ext uri="{BB962C8B-B14F-4D97-AF65-F5344CB8AC3E}">
-        <p14:creationId xmlns:p14="http://schemas.microsoft.com/office/powerpoint/2010/main" val="2301558281"/>
-      </p:ext>
-    </p:extLst>
-  </p:cSld>
-  <p:clrMapOvr>
-    <a:masterClrMapping/>
-  </p:clrMapOvr>
-</p:notes>
-</file>
-
 <file path=ppt/notesSlides/notesSlide2.xml><?xml version="1.0" encoding="utf-8"?>
 <p:notes xmlns:a="http://schemas.openxmlformats.org/drawingml/2006/main" xmlns:r="http://schemas.openxmlformats.org/officeDocument/2006/relationships" xmlns:p="http://schemas.openxmlformats.org/presentationml/2006/main">
   <p:cSld>
@@ -1446,7 +1361,7 @@
           <a:p>
             <a:fld id="{EE66D4DC-B68B-44BE-BF90-EE0E7A48A9C3}" type="datetimeFigureOut">
               <a:rPr lang="zh-TW" altLang="en-US" smtClean="0"/>
-              <a:t>2019/1/27</a:t>
+              <a:t>2019/1/28</a:t>
             </a:fld>
             <a:endParaRPr lang="zh-TW" altLang="en-US"/>
           </a:p>
@@ -1616,7 +1531,7 @@
           <a:p>
             <a:fld id="{EE66D4DC-B68B-44BE-BF90-EE0E7A48A9C3}" type="datetimeFigureOut">
               <a:rPr lang="zh-TW" altLang="en-US" smtClean="0"/>
-              <a:t>2019/1/27</a:t>
+              <a:t>2019/1/28</a:t>
             </a:fld>
             <a:endParaRPr lang="zh-TW" altLang="en-US"/>
           </a:p>
@@ -1796,7 +1711,7 @@
           <a:p>
             <a:fld id="{EE66D4DC-B68B-44BE-BF90-EE0E7A48A9C3}" type="datetimeFigureOut">
               <a:rPr lang="zh-TW" altLang="en-US" smtClean="0"/>
-              <a:t>2019/1/27</a:t>
+              <a:t>2019/1/28</a:t>
             </a:fld>
             <a:endParaRPr lang="zh-TW" altLang="en-US"/>
           </a:p>
@@ -1966,7 +1881,7 @@
           <a:p>
             <a:fld id="{EE66D4DC-B68B-44BE-BF90-EE0E7A48A9C3}" type="datetimeFigureOut">
               <a:rPr lang="zh-TW" altLang="en-US" smtClean="0"/>
-              <a:t>2019/1/27</a:t>
+              <a:t>2019/1/28</a:t>
             </a:fld>
             <a:endParaRPr lang="zh-TW" altLang="en-US"/>
           </a:p>
@@ -2212,7 +2127,7 @@
           <a:p>
             <a:fld id="{EE66D4DC-B68B-44BE-BF90-EE0E7A48A9C3}" type="datetimeFigureOut">
               <a:rPr lang="zh-TW" altLang="en-US" smtClean="0"/>
-              <a:t>2019/1/27</a:t>
+              <a:t>2019/1/28</a:t>
             </a:fld>
             <a:endParaRPr lang="zh-TW" altLang="en-US"/>
           </a:p>
@@ -2444,7 +2359,7 @@
           <a:p>
             <a:fld id="{EE66D4DC-B68B-44BE-BF90-EE0E7A48A9C3}" type="datetimeFigureOut">
               <a:rPr lang="zh-TW" altLang="en-US" smtClean="0"/>
-              <a:t>2019/1/27</a:t>
+              <a:t>2019/1/28</a:t>
             </a:fld>
             <a:endParaRPr lang="zh-TW" altLang="en-US"/>
           </a:p>
@@ -2811,7 +2726,7 @@
           <a:p>
             <a:fld id="{EE66D4DC-B68B-44BE-BF90-EE0E7A48A9C3}" type="datetimeFigureOut">
               <a:rPr lang="zh-TW" altLang="en-US" smtClean="0"/>
-              <a:t>2019/1/27</a:t>
+              <a:t>2019/1/28</a:t>
             </a:fld>
             <a:endParaRPr lang="zh-TW" altLang="en-US"/>
           </a:p>
@@ -2929,7 +2844,7 @@
           <a:p>
             <a:fld id="{EE66D4DC-B68B-44BE-BF90-EE0E7A48A9C3}" type="datetimeFigureOut">
               <a:rPr lang="zh-TW" altLang="en-US" smtClean="0"/>
-              <a:t>2019/1/27</a:t>
+              <a:t>2019/1/28</a:t>
             </a:fld>
             <a:endParaRPr lang="zh-TW" altLang="en-US"/>
           </a:p>
@@ -3024,7 +2939,7 @@
           <a:p>
             <a:fld id="{EE66D4DC-B68B-44BE-BF90-EE0E7A48A9C3}" type="datetimeFigureOut">
               <a:rPr lang="zh-TW" altLang="en-US" smtClean="0"/>
-              <a:t>2019/1/27</a:t>
+              <a:t>2019/1/28</a:t>
             </a:fld>
             <a:endParaRPr lang="zh-TW" altLang="en-US"/>
           </a:p>
@@ -3301,7 +3216,7 @@
           <a:p>
             <a:fld id="{EE66D4DC-B68B-44BE-BF90-EE0E7A48A9C3}" type="datetimeFigureOut">
               <a:rPr lang="zh-TW" altLang="en-US" smtClean="0"/>
-              <a:t>2019/1/27</a:t>
+              <a:t>2019/1/28</a:t>
             </a:fld>
             <a:endParaRPr lang="zh-TW" altLang="en-US"/>
           </a:p>
@@ -3558,7 +3473,7 @@
           <a:p>
             <a:fld id="{EE66D4DC-B68B-44BE-BF90-EE0E7A48A9C3}" type="datetimeFigureOut">
               <a:rPr lang="zh-TW" altLang="en-US" smtClean="0"/>
-              <a:t>2019/1/27</a:t>
+              <a:t>2019/1/28</a:t>
             </a:fld>
             <a:endParaRPr lang="zh-TW" altLang="en-US"/>
           </a:p>
@@ -3771,7 +3686,7 @@
           <a:p>
             <a:fld id="{EE66D4DC-B68B-44BE-BF90-EE0E7A48A9C3}" type="datetimeFigureOut">
               <a:rPr lang="zh-TW" altLang="en-US" smtClean="0"/>
-              <a:t>2019/1/27</a:t>
+              <a:t>2019/1/28</a:t>
             </a:fld>
             <a:endParaRPr lang="zh-TW" altLang="en-US"/>
           </a:p>
@@ -6097,313 +6012,70 @@
       </p:grpSp>
       <p:sp>
         <p:nvSpPr>
-          <p:cNvPr id="3" name="矩形 2"/>
-          <p:cNvSpPr/>
-          <p:nvPr/>
-        </p:nvSpPr>
-        <p:spPr>
-          <a:xfrm>
-            <a:off x="207409" y="2681350"/>
-            <a:ext cx="6643334" cy="4106252"/>
+          <p:cNvPr id="10" name="文字方塊 9"/>
+          <p:cNvSpPr txBox="1"/>
+          <p:nvPr/>
+        </p:nvSpPr>
+        <p:spPr>
+          <a:xfrm>
+            <a:off x="9326547" y="1228736"/>
+            <a:ext cx="1848431" cy="400110"/>
           </a:xfrm>
           <a:prstGeom prst="rect">
             <a:avLst/>
           </a:prstGeom>
-        </p:spPr>
-        <p:txBody>
-          <a:bodyPr wrap="square">
+          <a:solidFill>
+            <a:srgbClr val="FF0000"/>
+          </a:solidFill>
+          <a:ln>
+            <a:solidFill>
+              <a:srgbClr val="FF0000"/>
+            </a:solidFill>
+          </a:ln>
+        </p:spPr>
+        <p:txBody>
+          <a:bodyPr wrap="square" rtlCol="0">
             <a:spAutoFit/>
           </a:bodyPr>
           <a:lstStyle/>
           <a:p>
-            <a:pPr>
-              <a:lnSpc>
-                <a:spcPts val="3100"/>
-              </a:lnSpc>
-              <a:spcAft>
-                <a:spcPts val="1200"/>
-              </a:spcAft>
-            </a:pPr>
-            <a:r>
-              <a:rPr lang="zh-TW" altLang="en-US" b="1" dirty="0" smtClean="0">
-                <a:latin typeface="+mn-ea"/>
-              </a:rPr>
-              <a:t>說</a:t>
-            </a:r>
-            <a:r>
-              <a:rPr lang="zh-TW" altLang="en-US" b="1" dirty="0">
-                <a:latin typeface="+mn-ea"/>
-              </a:rPr>
-              <a:t>明</a:t>
-            </a:r>
-            <a:endParaRPr lang="en-US" altLang="zh-TW" b="1" dirty="0" smtClean="0">
-              <a:latin typeface="+mn-ea"/>
-            </a:endParaRPr>
-          </a:p>
-          <a:p>
-            <a:pPr>
-              <a:lnSpc>
-                <a:spcPts val="3000"/>
-              </a:lnSpc>
-            </a:pPr>
-            <a:r>
-              <a:rPr lang="zh-TW" altLang="en-US" b="1" dirty="0" smtClean="0">
-                <a:latin typeface="微軟正黑體" panose="020B0604030504040204" pitchFamily="34" charset="-120"/>
-                <a:ea typeface="微軟正黑體" panose="020B0604030504040204" pitchFamily="34" charset="-120"/>
-              </a:rPr>
-              <a:t>分析</a:t>
-            </a:r>
-            <a:r>
-              <a:rPr lang="zh-TW" altLang="en-US" b="1" dirty="0">
-                <a:latin typeface="微軟正黑體" panose="020B0604030504040204" pitchFamily="34" charset="-120"/>
-                <a:ea typeface="微軟正黑體" panose="020B0604030504040204" pitchFamily="34" charset="-120"/>
-              </a:rPr>
-              <a:t>使用者在</a:t>
-            </a:r>
-            <a:r>
-              <a:rPr lang="en-US" altLang="zh-TW" b="1" dirty="0">
-                <a:latin typeface="微軟正黑體" panose="020B0604030504040204" pitchFamily="34" charset="-120"/>
-                <a:ea typeface="微軟正黑體" panose="020B0604030504040204" pitchFamily="34" charset="-120"/>
-              </a:rPr>
-              <a:t>YouTube</a:t>
-            </a:r>
-            <a:r>
-              <a:rPr lang="zh-TW" altLang="en-US" b="1" dirty="0">
-                <a:latin typeface="微軟正黑體" panose="020B0604030504040204" pitchFamily="34" charset="-120"/>
-                <a:ea typeface="微軟正黑體" panose="020B0604030504040204" pitchFamily="34" charset="-120"/>
-              </a:rPr>
-              <a:t>圈內的行為偏好</a:t>
-            </a:r>
-            <a:r>
-              <a:rPr lang="en-US" altLang="zh-TW" b="1" dirty="0">
-                <a:latin typeface="微軟正黑體" panose="020B0604030504040204" pitchFamily="34" charset="-120"/>
-                <a:ea typeface="微軟正黑體" panose="020B0604030504040204" pitchFamily="34" charset="-120"/>
-              </a:rPr>
-              <a:t/>
-            </a:r>
-            <a:br>
-              <a:rPr lang="en-US" altLang="zh-TW" b="1" dirty="0">
-                <a:latin typeface="微軟正黑體" panose="020B0604030504040204" pitchFamily="34" charset="-120"/>
-                <a:ea typeface="微軟正黑體" panose="020B0604030504040204" pitchFamily="34" charset="-120"/>
-              </a:rPr>
-            </a:br>
-            <a:r>
-              <a:rPr lang="zh-TW" altLang="en-US" b="1" dirty="0">
-                <a:latin typeface="微軟正黑體" panose="020B0604030504040204" pitchFamily="34" charset="-120"/>
-                <a:ea typeface="微軟正黑體" panose="020B0604030504040204" pitchFamily="34" charset="-120"/>
-              </a:rPr>
-              <a:t>觀察其</a:t>
-            </a:r>
-            <a:r>
-              <a:rPr lang="en-US" altLang="zh-TW" b="1" dirty="0">
-                <a:latin typeface="微軟正黑體" panose="020B0604030504040204" pitchFamily="34" charset="-120"/>
-                <a:ea typeface="微軟正黑體" panose="020B0604030504040204" pitchFamily="34" charset="-120"/>
-              </a:rPr>
-              <a:t>YouTube</a:t>
-            </a:r>
-            <a:r>
-              <a:rPr lang="zh-TW" altLang="en-US" b="1" dirty="0">
-                <a:latin typeface="微軟正黑體" panose="020B0604030504040204" pitchFamily="34" charset="-120"/>
-                <a:ea typeface="微軟正黑體" panose="020B0604030504040204" pitchFamily="34" charset="-120"/>
-              </a:rPr>
-              <a:t>圈的現況行為趨勢</a:t>
-            </a:r>
-            <a:endParaRPr lang="en-US" altLang="zh-TW" b="1" dirty="0">
-              <a:latin typeface="微軟正黑體" panose="020B0604030504040204" pitchFamily="34" charset="-120"/>
-              <a:ea typeface="微軟正黑體" panose="020B0604030504040204" pitchFamily="34" charset="-120"/>
-            </a:endParaRPr>
-          </a:p>
-          <a:p>
-            <a:pPr marL="285750" indent="-285750">
-              <a:lnSpc>
-                <a:spcPts val="3000"/>
-              </a:lnSpc>
-              <a:buFont typeface="Arial" panose="020B0604020202020204" pitchFamily="34" charset="0"/>
-              <a:buChar char="•"/>
-              <a:defRPr/>
-            </a:pPr>
-            <a:r>
-              <a:rPr lang="zh-TW" altLang="en-US" dirty="0" smtClean="0">
-                <a:latin typeface="微軟正黑體" panose="020B0604030504040204" pitchFamily="34" charset="-120"/>
-                <a:ea typeface="微軟正黑體" panose="020B0604030504040204" pitchFamily="34" charset="-120"/>
-              </a:rPr>
-              <a:t>觀眾</a:t>
-            </a:r>
-            <a:r>
-              <a:rPr lang="zh-TW" altLang="en-US" dirty="0">
-                <a:latin typeface="微軟正黑體" panose="020B0604030504040204" pitchFamily="34" charset="-120"/>
-                <a:ea typeface="微軟正黑體" panose="020B0604030504040204" pitchFamily="34" charset="-120"/>
-              </a:rPr>
-              <a:t>想看的是什麼</a:t>
-            </a:r>
-            <a:r>
-              <a:rPr lang="zh-TW" altLang="en-US" dirty="0" smtClean="0">
-                <a:latin typeface="微軟正黑體" panose="020B0604030504040204" pitchFamily="34" charset="-120"/>
-                <a:ea typeface="微軟正黑體" panose="020B0604030504040204" pitchFamily="34" charset="-120"/>
-              </a:rPr>
-              <a:t>？</a:t>
-            </a:r>
-            <a:endParaRPr lang="en-US" altLang="zh-TW" dirty="0" smtClean="0">
-              <a:latin typeface="微軟正黑體" panose="020B0604030504040204" pitchFamily="34" charset="-120"/>
-              <a:ea typeface="微軟正黑體" panose="020B0604030504040204" pitchFamily="34" charset="-120"/>
-            </a:endParaRPr>
-          </a:p>
-          <a:p>
-            <a:pPr marL="285750" indent="-285750">
-              <a:lnSpc>
-                <a:spcPts val="3000"/>
-              </a:lnSpc>
-              <a:buFont typeface="Arial" panose="020B0604020202020204" pitchFamily="34" charset="0"/>
-              <a:buChar char="•"/>
-              <a:defRPr/>
-            </a:pPr>
-            <a:r>
-              <a:rPr lang="zh-TW" altLang="en-US" dirty="0" smtClean="0">
-                <a:latin typeface="微軟正黑體" panose="020B0604030504040204" pitchFamily="34" charset="-120"/>
-                <a:ea typeface="微軟正黑體" panose="020B0604030504040204" pitchFamily="34" charset="-120"/>
-              </a:rPr>
-              <a:t>現在</a:t>
-            </a:r>
-            <a:r>
-              <a:rPr lang="zh-TW" altLang="en-US" dirty="0">
-                <a:latin typeface="微軟正黑體" panose="020B0604030504040204" pitchFamily="34" charset="-120"/>
-                <a:ea typeface="微軟正黑體" panose="020B0604030504040204" pitchFamily="34" charset="-120"/>
-              </a:rPr>
-              <a:t>的流行趨勢是什麼</a:t>
-            </a:r>
-            <a:r>
-              <a:rPr lang="zh-TW" altLang="en-US" dirty="0" smtClean="0">
-                <a:latin typeface="微軟正黑體" panose="020B0604030504040204" pitchFamily="34" charset="-120"/>
-                <a:ea typeface="微軟正黑體" panose="020B0604030504040204" pitchFamily="34" charset="-120"/>
-              </a:rPr>
-              <a:t>？</a:t>
-            </a:r>
-            <a:endParaRPr lang="en-US" altLang="zh-TW" dirty="0" smtClean="0">
-              <a:latin typeface="微軟正黑體" panose="020B0604030504040204" pitchFamily="34" charset="-120"/>
-              <a:ea typeface="微軟正黑體" panose="020B0604030504040204" pitchFamily="34" charset="-120"/>
-            </a:endParaRPr>
-          </a:p>
-          <a:p>
-            <a:pPr marL="285750" indent="-285750">
-              <a:lnSpc>
-                <a:spcPts val="3000"/>
-              </a:lnSpc>
-              <a:buFont typeface="Arial" panose="020B0604020202020204" pitchFamily="34" charset="0"/>
-              <a:buChar char="•"/>
-              <a:defRPr/>
-            </a:pPr>
-            <a:r>
-              <a:rPr lang="zh-TW" altLang="en-US" dirty="0" smtClean="0">
-                <a:latin typeface="微軟正黑體" panose="020B0604030504040204" pitchFamily="34" charset="-120"/>
-                <a:ea typeface="微軟正黑體" panose="020B0604030504040204" pitchFamily="34" charset="-120"/>
-              </a:rPr>
-              <a:t>創作</a:t>
-            </a:r>
-            <a:r>
-              <a:rPr lang="zh-TW" altLang="en-US" dirty="0">
-                <a:latin typeface="微軟正黑體" panose="020B0604030504040204" pitchFamily="34" charset="-120"/>
-                <a:ea typeface="微軟正黑體" panose="020B0604030504040204" pitchFamily="34" charset="-120"/>
-              </a:rPr>
-              <a:t>者現在要做的又是什麼？</a:t>
-            </a:r>
-            <a:br>
-              <a:rPr lang="zh-TW" altLang="en-US" dirty="0">
-                <a:latin typeface="微軟正黑體" panose="020B0604030504040204" pitchFamily="34" charset="-120"/>
-                <a:ea typeface="微軟正黑體" panose="020B0604030504040204" pitchFamily="34" charset="-120"/>
-              </a:rPr>
-            </a:br>
-            <a:r>
-              <a:rPr lang="zh-TW" altLang="en-US" dirty="0">
-                <a:latin typeface="微軟正黑體" panose="020B0604030504040204" pitchFamily="34" charset="-120"/>
-                <a:ea typeface="微軟正黑體" panose="020B0604030504040204" pitchFamily="34" charset="-120"/>
-              </a:rPr>
-              <a:t>為了在社群媒體</a:t>
-            </a:r>
-            <a:r>
-              <a:rPr lang="en-US" altLang="zh-TW" dirty="0">
-                <a:latin typeface="微軟正黑體" panose="020B0604030504040204" pitchFamily="34" charset="-120"/>
-                <a:ea typeface="微軟正黑體" panose="020B0604030504040204" pitchFamily="34" charset="-120"/>
-              </a:rPr>
-              <a:t>(</a:t>
-            </a:r>
-            <a:r>
-              <a:rPr lang="en-US" altLang="zh-TW" dirty="0" err="1">
-                <a:latin typeface="微軟正黑體" panose="020B0604030504040204" pitchFamily="34" charset="-120"/>
-                <a:ea typeface="微軟正黑體" panose="020B0604030504040204" pitchFamily="34" charset="-120"/>
-              </a:rPr>
-              <a:t>Youtube</a:t>
-            </a:r>
-            <a:r>
-              <a:rPr lang="en-US" altLang="zh-TW" dirty="0">
-                <a:latin typeface="微軟正黑體" panose="020B0604030504040204" pitchFamily="34" charset="-120"/>
-                <a:ea typeface="微軟正黑體" panose="020B0604030504040204" pitchFamily="34" charset="-120"/>
-              </a:rPr>
-              <a:t>)</a:t>
-            </a:r>
-            <a:r>
-              <a:rPr lang="zh-TW" altLang="en-US" dirty="0">
-                <a:latin typeface="微軟正黑體" panose="020B0604030504040204" pitchFamily="34" charset="-120"/>
-                <a:ea typeface="微軟正黑體" panose="020B0604030504040204" pitchFamily="34" charset="-120"/>
-              </a:rPr>
-              <a:t>中脫穎而出，除了要有夠好的創意之外</a:t>
-            </a:r>
-            <a:r>
-              <a:rPr lang="zh-TW" altLang="en-US" dirty="0" smtClean="0">
-                <a:latin typeface="微軟正黑體" panose="020B0604030504040204" pitchFamily="34" charset="-120"/>
-                <a:ea typeface="微軟正黑體" panose="020B0604030504040204" pitchFamily="34" charset="-120"/>
-              </a:rPr>
-              <a:t>，曝光</a:t>
-            </a:r>
-            <a:r>
-              <a:rPr lang="zh-TW" altLang="en-US" dirty="0">
-                <a:latin typeface="微軟正黑體" panose="020B0604030504040204" pitchFamily="34" charset="-120"/>
-                <a:ea typeface="微軟正黑體" panose="020B0604030504040204" pitchFamily="34" charset="-120"/>
-              </a:rPr>
-              <a:t>也很重要，如何能夠接觸到觀眾，和理解社群媒體自身的演算法很有關！</a:t>
-            </a:r>
-            <a:br>
-              <a:rPr lang="zh-TW" altLang="en-US" dirty="0">
-                <a:latin typeface="微軟正黑體" panose="020B0604030504040204" pitchFamily="34" charset="-120"/>
-                <a:ea typeface="微軟正黑體" panose="020B0604030504040204" pitchFamily="34" charset="-120"/>
-              </a:rPr>
-            </a:br>
-            <a:r>
-              <a:rPr lang="zh-TW" altLang="en-US" dirty="0">
-                <a:latin typeface="微軟正黑體" panose="020B0604030504040204" pitchFamily="34" charset="-120"/>
-                <a:ea typeface="微軟正黑體" panose="020B0604030504040204" pitchFamily="34" charset="-120"/>
-              </a:rPr>
-              <a:t>我們將根據以上的問題做繼續深入探討</a:t>
-            </a:r>
-            <a:r>
-              <a:rPr lang="zh-TW" altLang="en-US" dirty="0" smtClean="0">
-                <a:latin typeface="微軟正黑體" panose="020B0604030504040204" pitchFamily="34" charset="-120"/>
-                <a:ea typeface="微軟正黑體" panose="020B0604030504040204" pitchFamily="34" charset="-120"/>
-              </a:rPr>
-              <a:t>。</a:t>
-            </a:r>
-            <a:endParaRPr lang="zh-TW" altLang="en-US" dirty="0">
-              <a:latin typeface="微軟正黑體" panose="020B0604030504040204" pitchFamily="34" charset="-120"/>
-              <a:ea typeface="微軟正黑體" panose="020B0604030504040204" pitchFamily="34" charset="-120"/>
-            </a:endParaRPr>
+            <a:pPr algn="ctr"/>
+            <a:r>
+              <a:rPr lang="zh-TW" altLang="en-US" sz="2000" b="1" dirty="0" smtClean="0"/>
+              <a:t>訂閱</a:t>
+            </a:r>
+            <a:r>
+              <a:rPr lang="zh-TW" altLang="en-US" sz="2000" b="1" dirty="0" smtClean="0"/>
+              <a:t>（</a:t>
+            </a:r>
+            <a:r>
+              <a:rPr lang="en-US" altLang="zh-TW" sz="2000" b="1" dirty="0" smtClean="0"/>
+              <a:t>666</a:t>
+            </a:r>
+            <a:r>
+              <a:rPr lang="zh-TW" altLang="en-US" sz="2000" b="1" dirty="0" smtClean="0"/>
+              <a:t>）</a:t>
+            </a:r>
+            <a:endParaRPr lang="zh-TW" altLang="en-US" sz="2000" b="1" dirty="0"/>
           </a:p>
         </p:txBody>
       </p:sp>
       <p:graphicFrame>
         <p:nvGraphicFramePr>
-          <p:cNvPr id="4" name="表格 3"/>
+          <p:cNvPr id="39" name="表格 38"/>
           <p:cNvGraphicFramePr>
             <a:graphicFrameLocks noGrp="1"/>
           </p:cNvGraphicFramePr>
           <p:nvPr>
             <p:extLst>
               <p:ext uri="{D42A27DB-BD31-4B8C-83A1-F6EECF244321}">
-                <p14:modId xmlns:p14="http://schemas.microsoft.com/office/powerpoint/2010/main" val="1052471405"/>
+                <p14:modId xmlns:p14="http://schemas.microsoft.com/office/powerpoint/2010/main" val="538756897"/>
               </p:ext>
             </p:extLst>
           </p:nvPr>
         </p:nvGraphicFramePr>
         <p:xfrm>
-          <a:off x="7100149" y="2718932"/>
+          <a:off x="7072853" y="2637044"/>
           <a:ext cx="2700932" cy="1854171"/>
         </p:xfrm>
         <a:graphic>
@@ -6551,11 +6223,15 @@
                     <a:p>
                       <a:r>
                         <a:rPr lang="zh-TW" altLang="en-US" dirty="0" smtClean="0"/>
-                        <a:t>觀看次數：</a:t>
+                        <a:t>觀看次數</a:t>
+                      </a:r>
+                      <a:r>
+                        <a:rPr lang="zh-TW" altLang="en-US" dirty="0" smtClean="0"/>
+                        <a:t>：</a:t>
                       </a:r>
                       <a:r>
                         <a:rPr lang="en-US" altLang="zh-TW" dirty="0" smtClean="0"/>
-                        <a:t>62</a:t>
+                        <a:t>666666</a:t>
                       </a:r>
                       <a:endParaRPr lang="zh-TW" altLang="en-US" dirty="0"/>
                     </a:p>
@@ -6601,20 +6277,20 @@
       </p:graphicFrame>
       <p:graphicFrame>
         <p:nvGraphicFramePr>
-          <p:cNvPr id="24" name="表格 23"/>
+          <p:cNvPr id="40" name="表格 39"/>
           <p:cNvGraphicFramePr>
             <a:graphicFrameLocks noGrp="1"/>
           </p:cNvGraphicFramePr>
           <p:nvPr>
             <p:extLst>
               <p:ext uri="{D42A27DB-BD31-4B8C-83A1-F6EECF244321}">
-                <p14:modId xmlns:p14="http://schemas.microsoft.com/office/powerpoint/2010/main" val="1220968392"/>
+                <p14:modId xmlns:p14="http://schemas.microsoft.com/office/powerpoint/2010/main" val="1754713400"/>
               </p:ext>
             </p:extLst>
           </p:nvPr>
         </p:nvGraphicFramePr>
         <p:xfrm>
-          <a:off x="10035201" y="2866952"/>
+          <a:off x="10035201" y="2771416"/>
           <a:ext cx="2144856" cy="3092154"/>
         </p:xfrm>
         <a:graphic>
@@ -6639,7 +6315,7 @@
                     <a:lstStyle/>
                     <a:p>
                       <a:r>
-                        <a:rPr lang="zh-TW" altLang="en-US" sz="1800" b="1" dirty="0" smtClean="0"/>
+                        <a:rPr lang="zh-TW" altLang="en-US" sz="2000" b="1" dirty="0" smtClean="0"/>
                         <a:t>精選頻道</a:t>
                       </a:r>
                       <a:endParaRPr lang="en-US" altLang="zh-TW" sz="1800" b="1" dirty="0" smtClean="0"/>
@@ -6759,13 +6435,13 @@
       </p:graphicFrame>
       <p:grpSp>
         <p:nvGrpSpPr>
-          <p:cNvPr id="5" name="群組 4"/>
+          <p:cNvPr id="41" name="群組 40"/>
           <p:cNvGrpSpPr/>
           <p:nvPr/>
         </p:nvGrpSpPr>
         <p:grpSpPr>
           <a:xfrm>
-            <a:off x="10085708" y="4023674"/>
+            <a:off x="10085708" y="3941786"/>
             <a:ext cx="1372867" cy="338555"/>
             <a:chOff x="10138635" y="3118007"/>
             <a:chExt cx="1372867" cy="338555"/>
@@ -6773,7 +6449,7 @@
         </p:grpSpPr>
         <p:sp>
           <p:nvSpPr>
-            <p:cNvPr id="26" name="圓角矩形 25"/>
+            <p:cNvPr id="42" name="圓角矩形 41"/>
             <p:cNvSpPr/>
             <p:nvPr/>
           </p:nvSpPr>
@@ -6832,7 +6508,7 @@
         </p:sp>
         <p:sp>
           <p:nvSpPr>
-            <p:cNvPr id="27" name="文字方塊 26"/>
+            <p:cNvPr id="43" name="文字方塊 42"/>
             <p:cNvSpPr txBox="1"/>
             <p:nvPr/>
           </p:nvSpPr>
@@ -6896,13 +6572,13 @@
       </p:grpSp>
       <p:grpSp>
         <p:nvGrpSpPr>
-          <p:cNvPr id="32" name="群組 31"/>
+          <p:cNvPr id="44" name="群組 43"/>
           <p:cNvGrpSpPr/>
           <p:nvPr/>
         </p:nvGrpSpPr>
         <p:grpSpPr>
           <a:xfrm>
-            <a:off x="10085708" y="5280974"/>
+            <a:off x="10085708" y="5199086"/>
             <a:ext cx="1372867" cy="338555"/>
             <a:chOff x="10138635" y="3118007"/>
             <a:chExt cx="1372867" cy="338555"/>
@@ -6910,7 +6586,7 @@
         </p:grpSpPr>
         <p:sp>
           <p:nvSpPr>
-            <p:cNvPr id="37" name="圓角矩形 36"/>
+            <p:cNvPr id="45" name="圓角矩形 44"/>
             <p:cNvSpPr/>
             <p:nvPr/>
           </p:nvSpPr>
@@ -6969,7 +6645,7 @@
         </p:sp>
         <p:sp>
           <p:nvSpPr>
-            <p:cNvPr id="38" name="文字方塊 37"/>
+            <p:cNvPr id="46" name="文字方塊 45"/>
             <p:cNvSpPr txBox="1"/>
             <p:nvPr/>
           </p:nvSpPr>
@@ -7033,7 +6709,7 @@
       </p:grpSp>
       <p:pic>
         <p:nvPicPr>
-          <p:cNvPr id="6" name="圖片 5" descr="畫面剪輯"/>
+          <p:cNvPr id="47" name="圖片 46" descr="畫面剪輯"/>
           <p:cNvPicPr>
             <a:picLocks noChangeAspect="1"/>
           </p:cNvPicPr>
@@ -7053,7 +6729,7 @@
         </p:blipFill>
         <p:spPr>
           <a:xfrm>
-            <a:off x="10080365" y="3504172"/>
+            <a:off x="10080365" y="3408636"/>
             <a:ext cx="436978" cy="452773"/>
           </a:xfrm>
           <a:prstGeom prst="ellipse">
@@ -7085,7 +6761,7 @@
       </p:pic>
       <p:pic>
         <p:nvPicPr>
-          <p:cNvPr id="9" name="圖片 8" descr="畫面剪輯"/>
+          <p:cNvPr id="48" name="圖片 47" descr="畫面剪輯"/>
           <p:cNvPicPr>
             <a:picLocks noChangeAspect="1"/>
           </p:cNvPicPr>
@@ -7105,7 +6781,7 @@
         </p:blipFill>
         <p:spPr>
           <a:xfrm>
-            <a:off x="10080365" y="4651576"/>
+            <a:off x="10080365" y="4556040"/>
             <a:ext cx="466856" cy="462092"/>
           </a:xfrm>
           <a:prstGeom prst="ellipse">
@@ -7137,1053 +6813,408 @@
       </p:pic>
       <p:sp>
         <p:nvSpPr>
-          <p:cNvPr id="10" name="文字方塊 9"/>
-          <p:cNvSpPr txBox="1"/>
-          <p:nvPr/>
-        </p:nvSpPr>
-        <p:spPr>
-          <a:xfrm>
-            <a:off x="9326547" y="1228736"/>
-            <a:ext cx="1848431" cy="400110"/>
+          <p:cNvPr id="57" name="矩形 56"/>
+          <p:cNvSpPr/>
+          <p:nvPr/>
+        </p:nvSpPr>
+        <p:spPr>
+          <a:xfrm>
+            <a:off x="207409" y="2681350"/>
+            <a:ext cx="6865444" cy="3721532"/>
           </a:xfrm>
           <a:prstGeom prst="rect">
             <a:avLst/>
           </a:prstGeom>
-          <a:solidFill>
-            <a:srgbClr val="FF0000"/>
-          </a:solidFill>
-          <a:ln>
-            <a:solidFill>
-              <a:srgbClr val="FF0000"/>
-            </a:solidFill>
-          </a:ln>
-        </p:spPr>
-        <p:txBody>
-          <a:bodyPr wrap="square" rtlCol="0">
+        </p:spPr>
+        <p:txBody>
+          <a:bodyPr wrap="square">
             <a:spAutoFit/>
           </a:bodyPr>
           <a:lstStyle/>
           <a:p>
-            <a:pPr algn="ctr"/>
-            <a:r>
-              <a:rPr lang="zh-TW" altLang="en-US" sz="2000" b="1" dirty="0" smtClean="0"/>
-              <a:t>訂閱（</a:t>
-            </a:r>
-            <a:r>
-              <a:rPr lang="en-US" altLang="zh-TW" sz="2000" b="1" dirty="0" smtClean="0"/>
-              <a:t>12</a:t>
-            </a:r>
-            <a:r>
-              <a:rPr lang="zh-TW" altLang="en-US" sz="2000" b="1" dirty="0" smtClean="0"/>
-              <a:t>）</a:t>
-            </a:r>
-            <a:endParaRPr lang="zh-TW" altLang="en-US" sz="2000" b="1" dirty="0"/>
-          </a:p>
-        </p:txBody>
-      </p:sp>
-      <p:pic>
-        <p:nvPicPr>
-          <p:cNvPr id="17" name="圖片 16" descr="İşaret parmağı - Vikipedi"/>
-          <p:cNvPicPr>
-            <a:picLocks noChangeAspect="1"/>
-          </p:cNvPicPr>
-          <p:nvPr/>
-        </p:nvPicPr>
-        <p:blipFill>
-          <a:blip r:embed="rId8">
-            <a:extLst>
-              <a:ext uri="{BEBA8EAE-BF5A-486C-A8C5-ECC9F3942E4B}">
-                <a14:imgProps xmlns:a14="http://schemas.microsoft.com/office/drawing/2010/main">
-                  <a14:imgLayer r:embed="rId9">
-                    <a14:imgEffect>
-                      <a14:backgroundRemoval t="9896" b="100000" l="0" r="89941">
-                        <a14:backgroundMark x1="9668" y1="34896" x2="3418" y2="58984"/>
-                      </a14:backgroundRemoval>
-                    </a14:imgEffect>
-                  </a14:imgLayer>
-                </a14:imgProps>
-              </a:ext>
-              <a:ext uri="{28A0092B-C50C-407E-A947-70E740481C1C}">
-                <a14:useLocalDpi xmlns:a14="http://schemas.microsoft.com/office/drawing/2010/main" val="0"/>
-              </a:ext>
-            </a:extLst>
-          </a:blip>
-          <a:stretch>
-            <a:fillRect/>
-          </a:stretch>
-        </p:blipFill>
-        <p:spPr>
-          <a:xfrm>
-            <a:off x="5810467" y="665016"/>
-            <a:ext cx="5201920" cy="3901440"/>
-          </a:xfrm>
-          <a:prstGeom prst="rect">
-            <a:avLst/>
-          </a:prstGeom>
-        </p:spPr>
-      </p:pic>
+            <a:pPr>
+              <a:lnSpc>
+                <a:spcPts val="3100"/>
+              </a:lnSpc>
+              <a:spcAft>
+                <a:spcPts val="1200"/>
+              </a:spcAft>
+            </a:pPr>
+            <a:r>
+              <a:rPr lang="zh-TW" altLang="en-US" sz="2000" b="1" dirty="0" smtClean="0">
+                <a:latin typeface="+mn-ea"/>
+              </a:rPr>
+              <a:t>說明</a:t>
+            </a:r>
+          </a:p>
+          <a:p>
+            <a:pPr>
+              <a:lnSpc>
+                <a:spcPts val="3000"/>
+              </a:lnSpc>
+            </a:pPr>
+            <a:r>
+              <a:rPr lang="zh-TW" altLang="en-US" dirty="0" smtClean="0">
+                <a:latin typeface="微軟正黑體" panose="020B0604030504040204" pitchFamily="34" charset="-120"/>
+                <a:ea typeface="微軟正黑體" panose="020B0604030504040204" pitchFamily="34" charset="-120"/>
+              </a:rPr>
+              <a:t>結論：</a:t>
+            </a:r>
+            <a:endParaRPr lang="en-US" altLang="zh-TW" dirty="0" smtClean="0">
+              <a:latin typeface="微軟正黑體" panose="020B0604030504040204" pitchFamily="34" charset="-120"/>
+              <a:ea typeface="微軟正黑體" panose="020B0604030504040204" pitchFamily="34" charset="-120"/>
+            </a:endParaRPr>
+          </a:p>
+          <a:p>
+            <a:pPr marL="342900" indent="-342900">
+              <a:lnSpc>
+                <a:spcPts val="3000"/>
+              </a:lnSpc>
+              <a:buFont typeface="+mj-lt"/>
+              <a:buAutoNum type="arabicPeriod"/>
+            </a:pPr>
+            <a:r>
+              <a:rPr lang="zh-TW" altLang="en-US" dirty="0" smtClean="0">
+                <a:latin typeface="微軟正黑體" panose="020B0604030504040204" pitchFamily="34" charset="-120"/>
+                <a:ea typeface="微軟正黑體" panose="020B0604030504040204" pitchFamily="34" charset="-120"/>
+              </a:rPr>
+              <a:t>在音樂類的部分，觀看次數的提升，猜測與觀眾使用習慣有關，把</a:t>
+            </a:r>
+            <a:r>
+              <a:rPr lang="en-US" altLang="zh-TW" dirty="0" err="1" smtClean="0">
+                <a:latin typeface="微軟正黑體" panose="020B0604030504040204" pitchFamily="34" charset="-120"/>
+                <a:ea typeface="微軟正黑體" panose="020B0604030504040204" pitchFamily="34" charset="-120"/>
+              </a:rPr>
+              <a:t>youtube</a:t>
+            </a:r>
+            <a:r>
+              <a:rPr lang="zh-TW" altLang="en-US" dirty="0" smtClean="0">
+                <a:latin typeface="微軟正黑體" panose="020B0604030504040204" pitchFamily="34" charset="-120"/>
+                <a:ea typeface="微軟正黑體" panose="020B0604030504040204" pitchFamily="34" charset="-120"/>
+              </a:rPr>
+              <a:t>當</a:t>
+            </a:r>
+            <a:r>
+              <a:rPr lang="zh-TW" altLang="en-US" dirty="0">
+                <a:latin typeface="微軟正黑體" panose="020B0604030504040204" pitchFamily="34" charset="-120"/>
+                <a:ea typeface="微軟正黑體" panose="020B0604030504040204" pitchFamily="34" charset="-120"/>
+              </a:rPr>
+              <a:t>線</a:t>
+            </a:r>
+            <a:r>
+              <a:rPr lang="zh-TW" altLang="en-US" dirty="0" smtClean="0">
+                <a:latin typeface="微軟正黑體" panose="020B0604030504040204" pitchFamily="34" charset="-120"/>
+                <a:ea typeface="微軟正黑體" panose="020B0604030504040204" pitchFamily="34" charset="-120"/>
+              </a:rPr>
+              <a:t>上音樂庫</a:t>
+            </a:r>
+            <a:r>
+              <a:rPr lang="en-US" altLang="zh-TW" dirty="0" smtClean="0">
+                <a:latin typeface="微軟正黑體" panose="020B0604030504040204" pitchFamily="34" charset="-120"/>
+                <a:ea typeface="微軟正黑體" panose="020B0604030504040204" pitchFamily="34" charset="-120"/>
+              </a:rPr>
+              <a:t>Loop</a:t>
+            </a:r>
+            <a:r>
+              <a:rPr lang="zh-TW" altLang="en-US" dirty="0" smtClean="0">
+                <a:latin typeface="微軟正黑體" panose="020B0604030504040204" pitchFamily="34" charset="-120"/>
+                <a:ea typeface="微軟正黑體" panose="020B0604030504040204" pitchFamily="34" charset="-120"/>
+              </a:rPr>
+              <a:t>撥放。然而關注度只是普普。</a:t>
+            </a:r>
+            <a:endParaRPr lang="en-US" altLang="zh-TW" dirty="0" smtClean="0">
+              <a:latin typeface="微軟正黑體" panose="020B0604030504040204" pitchFamily="34" charset="-120"/>
+              <a:ea typeface="微軟正黑體" panose="020B0604030504040204" pitchFamily="34" charset="-120"/>
+            </a:endParaRPr>
+          </a:p>
+          <a:p>
+            <a:pPr marL="342900" indent="-342900">
+              <a:lnSpc>
+                <a:spcPts val="3000"/>
+              </a:lnSpc>
+              <a:buFont typeface="+mj-lt"/>
+              <a:buAutoNum type="arabicPeriod"/>
+            </a:pPr>
+            <a:r>
+              <a:rPr lang="en-US" altLang="zh-TW" dirty="0" smtClean="0">
+                <a:latin typeface="微軟正黑體" panose="020B0604030504040204" pitchFamily="34" charset="-120"/>
+                <a:ea typeface="微軟正黑體" panose="020B0604030504040204" pitchFamily="34" charset="-120"/>
+              </a:rPr>
+              <a:t>3????</a:t>
+            </a:r>
+          </a:p>
+          <a:p>
+            <a:pPr marL="342900" indent="-342900">
+              <a:lnSpc>
+                <a:spcPts val="3000"/>
+              </a:lnSpc>
+              <a:buFont typeface="+mj-lt"/>
+              <a:buAutoNum type="arabicPeriod"/>
+            </a:pPr>
+            <a:r>
+              <a:rPr lang="en-US" altLang="zh-TW" dirty="0" smtClean="0">
+                <a:latin typeface="微軟正黑體" panose="020B0604030504040204" pitchFamily="34" charset="-120"/>
+                <a:ea typeface="微軟正黑體" panose="020B0604030504040204" pitchFamily="34" charset="-120"/>
+              </a:rPr>
+              <a:t>NULL???</a:t>
+            </a:r>
+            <a:endParaRPr lang="en-US" altLang="zh-TW" dirty="0" smtClean="0">
+              <a:latin typeface="微軟正黑體" panose="020B0604030504040204" pitchFamily="34" charset="-120"/>
+              <a:ea typeface="微軟正黑體" panose="020B0604030504040204" pitchFamily="34" charset="-120"/>
+            </a:endParaRPr>
+          </a:p>
+          <a:p>
+            <a:pPr marL="342900" indent="-342900">
+              <a:lnSpc>
+                <a:spcPts val="3000"/>
+              </a:lnSpc>
+              <a:buFont typeface="+mj-lt"/>
+              <a:buAutoNum type="arabicPeriod"/>
+            </a:pPr>
+            <a:r>
+              <a:rPr lang="zh-TW" altLang="en-US" dirty="0" smtClean="0">
+                <a:latin typeface="微軟正黑體" panose="020B0604030504040204" pitchFamily="34" charset="-120"/>
+                <a:ea typeface="微軟正黑體" panose="020B0604030504040204" pitchFamily="34" charset="-120"/>
+              </a:rPr>
+              <a:t>標籤數越多不見得會提升觀看數</a:t>
+            </a:r>
+            <a:r>
+              <a:rPr lang="en-US" altLang="zh-TW" dirty="0" smtClean="0">
+                <a:latin typeface="微軟正黑體" panose="020B0604030504040204" pitchFamily="34" charset="-120"/>
+                <a:ea typeface="微軟正黑體" panose="020B0604030504040204" pitchFamily="34" charset="-120"/>
+              </a:rPr>
+              <a:t>(</a:t>
+            </a:r>
+            <a:r>
+              <a:rPr lang="zh-TW" altLang="en-US" dirty="0">
+                <a:latin typeface="微軟正黑體" panose="020B0604030504040204" pitchFamily="34" charset="-120"/>
+                <a:ea typeface="微軟正黑體" panose="020B0604030504040204" pitchFamily="34" charset="-120"/>
+              </a:rPr>
+              <a:t>不見得被</a:t>
+            </a:r>
+            <a:r>
+              <a:rPr lang="zh-TW" altLang="en-US" dirty="0" smtClean="0">
+                <a:latin typeface="微軟正黑體" panose="020B0604030504040204" pitchFamily="34" charset="-120"/>
+                <a:ea typeface="微軟正黑體" panose="020B0604030504040204" pitchFamily="34" charset="-120"/>
+              </a:rPr>
+              <a:t>推薦</a:t>
+            </a:r>
+            <a:r>
+              <a:rPr lang="en-US" altLang="zh-TW" dirty="0" smtClean="0">
+                <a:latin typeface="微軟正黑體" panose="020B0604030504040204" pitchFamily="34" charset="-120"/>
+                <a:ea typeface="微軟正黑體" panose="020B0604030504040204" pitchFamily="34" charset="-120"/>
+              </a:rPr>
+              <a:t>)</a:t>
+            </a:r>
+          </a:p>
+          <a:p>
+            <a:pPr marL="342900" indent="-342900">
+              <a:lnSpc>
+                <a:spcPts val="3000"/>
+              </a:lnSpc>
+              <a:buFont typeface="+mj-lt"/>
+              <a:buAutoNum type="arabicPeriod"/>
+            </a:pPr>
+            <a:r>
+              <a:rPr lang="en-US" altLang="zh-TW" dirty="0" smtClean="0">
+                <a:latin typeface="微軟正黑體" panose="020B0604030504040204" pitchFamily="34" charset="-120"/>
+                <a:ea typeface="微軟正黑體" panose="020B0604030504040204" pitchFamily="34" charset="-120"/>
+              </a:rPr>
+              <a:t>URL???</a:t>
+            </a:r>
+          </a:p>
+          <a:p>
+            <a:pPr marL="342900" indent="-342900">
+              <a:lnSpc>
+                <a:spcPts val="3000"/>
+              </a:lnSpc>
+              <a:buFont typeface="+mj-lt"/>
+              <a:buAutoNum type="arabicPeriod"/>
+            </a:pPr>
+            <a:r>
+              <a:rPr lang="zh-TW" altLang="en-US" dirty="0" smtClean="0">
+                <a:latin typeface="微軟正黑體" panose="020B0604030504040204" pitchFamily="34" charset="-120"/>
+                <a:ea typeface="微軟正黑體" panose="020B0604030504040204" pitchFamily="34" charset="-120"/>
+              </a:rPr>
+              <a:t>在特定時間點做同性質影片會提高觀看數</a:t>
+            </a:r>
+            <a:r>
+              <a:rPr lang="en-US" altLang="zh-TW" dirty="0" smtClean="0">
+                <a:latin typeface="微軟正黑體" panose="020B0604030504040204" pitchFamily="34" charset="-120"/>
+                <a:ea typeface="微軟正黑體" panose="020B0604030504040204" pitchFamily="34" charset="-120"/>
+              </a:rPr>
+              <a:t>(</a:t>
+            </a:r>
+            <a:r>
+              <a:rPr lang="zh-TW" altLang="en-US" dirty="0">
+                <a:latin typeface="微軟正黑體" panose="020B0604030504040204" pitchFamily="34" charset="-120"/>
+                <a:ea typeface="微軟正黑體" panose="020B0604030504040204" pitchFamily="34" charset="-120"/>
+              </a:rPr>
+              <a:t>被推薦</a:t>
+            </a:r>
+            <a:r>
+              <a:rPr lang="en-US" altLang="zh-TW" dirty="0" smtClean="0">
+                <a:latin typeface="微軟正黑體" panose="020B0604030504040204" pitchFamily="34" charset="-120"/>
+                <a:ea typeface="微軟正黑體" panose="020B0604030504040204" pitchFamily="34" charset="-120"/>
+              </a:rPr>
+              <a:t>)</a:t>
+            </a:r>
+          </a:p>
+        </p:txBody>
+      </p:sp>
+      <p:grpSp>
+        <p:nvGrpSpPr>
+          <p:cNvPr id="56" name="群組 55"/>
+          <p:cNvGrpSpPr/>
+          <p:nvPr/>
+        </p:nvGrpSpPr>
+        <p:grpSpPr>
+          <a:xfrm>
+            <a:off x="4914260" y="696215"/>
+            <a:ext cx="6103826" cy="4703099"/>
+            <a:chOff x="4706575" y="696215"/>
+            <a:chExt cx="6311511" cy="5067009"/>
+          </a:xfrm>
+        </p:grpSpPr>
+        <p:pic>
+          <p:nvPicPr>
+            <p:cNvPr id="17" name="圖片 16" descr="İşaret parmağı - Vikipedi"/>
+            <p:cNvPicPr>
+              <a:picLocks noChangeAspect="1"/>
+            </p:cNvPicPr>
+            <p:nvPr/>
+          </p:nvPicPr>
+          <p:blipFill>
+            <a:blip r:embed="rId8">
+              <a:extLst>
+                <a:ext uri="{BEBA8EAE-BF5A-486C-A8C5-ECC9F3942E4B}">
+                  <a14:imgProps xmlns:a14="http://schemas.microsoft.com/office/drawing/2010/main">
+                    <a14:imgLayer r:embed="rId9">
+                      <a14:imgEffect>
+                        <a14:backgroundRemoval t="9375" b="99479" l="0" r="89746">
+                          <a14:backgroundMark x1="9668" y1="34896" x2="3418" y2="58984"/>
+                          <a14:backgroundMark x1="488" y1="82292" x2="24707" y2="99479"/>
+                        </a14:backgroundRemoval>
+                      </a14:imgEffect>
+                    </a14:imgLayer>
+                  </a14:imgProps>
+                </a:ext>
+                <a:ext uri="{28A0092B-C50C-407E-A947-70E740481C1C}">
+                  <a14:useLocalDpi xmlns:a14="http://schemas.microsoft.com/office/drawing/2010/main" val="0"/>
+                </a:ext>
+              </a:extLst>
+            </a:blip>
+            <a:stretch>
+              <a:fillRect/>
+            </a:stretch>
+          </p:blipFill>
+          <p:spPr>
+            <a:xfrm>
+              <a:off x="5816166" y="696215"/>
+              <a:ext cx="5201920" cy="3901440"/>
+            </a:xfrm>
+            <a:prstGeom prst="rect">
+              <a:avLst/>
+            </a:prstGeom>
+          </p:spPr>
+        </p:pic>
+        <p:pic>
+          <p:nvPicPr>
+            <p:cNvPr id="55" name="圖片 54" descr="Keep Your Head Down – [W]Shippers"/>
+            <p:cNvPicPr>
+              <a:picLocks noChangeAspect="1"/>
+            </p:cNvPicPr>
+            <p:nvPr/>
+          </p:nvPicPr>
+          <p:blipFill rotWithShape="1">
+            <a:blip r:embed="rId10">
+              <a:extLst>
+                <a:ext uri="{BEBA8EAE-BF5A-486C-A8C5-ECC9F3942E4B}">
+                  <a14:imgProps xmlns:a14="http://schemas.microsoft.com/office/drawing/2010/main">
+                    <a14:imgLayer r:embed="rId11">
+                      <a14:imgEffect>
+                        <a14:backgroundRemoval t="81552" b="92061" l="23648" r="31147"/>
+                      </a14:imgEffect>
+                    </a14:imgLayer>
+                  </a14:imgProps>
+                </a:ext>
+                <a:ext uri="{28A0092B-C50C-407E-A947-70E740481C1C}">
+                  <a14:useLocalDpi xmlns:a14="http://schemas.microsoft.com/office/drawing/2010/main" val="0"/>
+                </a:ext>
+              </a:extLst>
+            </a:blip>
+            <a:srcRect l="22711" t="80238" r="67916" b="6625"/>
+            <a:stretch/>
+          </p:blipFill>
+          <p:spPr>
+            <a:xfrm rot="14264613">
+              <a:off x="4576974" y="3041071"/>
+              <a:ext cx="2851754" cy="2592552"/>
+            </a:xfrm>
+            <a:prstGeom prst="rect">
+              <a:avLst/>
+            </a:prstGeom>
+          </p:spPr>
+        </p:pic>
+        <p:pic>
+          <p:nvPicPr>
+            <p:cNvPr id="54" name="圖片 53" descr="::配件::Daniel Wellington &lt;strong&gt;手錶&lt;/strong&gt;- Classic St Andrews Lady經典簡約的氣質錶款 @ Jujuxii's Blog :: 痞客邦 ::"/>
+            <p:cNvPicPr>
+              <a:picLocks noChangeAspect="1"/>
+            </p:cNvPicPr>
+            <p:nvPr/>
+          </p:nvPicPr>
+          <p:blipFill rotWithShape="1">
+            <a:blip r:embed="rId12">
+              <a:extLst>
+                <a:ext uri="{BEBA8EAE-BF5A-486C-A8C5-ECC9F3942E4B}">
+                  <a14:imgProps xmlns:a14="http://schemas.microsoft.com/office/drawing/2010/main">
+                    <a14:imgLayer r:embed="rId13">
+                      <a14:imgEffect>
+                        <a14:backgroundRemoval t="10000" b="90000" l="10000" r="90000">
+                          <a14:foregroundMark x1="35912" y1="36725" x2="39042" y2="33747"/>
+                          <a14:foregroundMark x1="37753" y1="51117" x2="37937" y2="48139"/>
+                          <a14:foregroundMark x1="40884" y1="41687" x2="42910" y2="38710"/>
+                          <a14:foregroundMark x1="40884" y1="36725" x2="43831" y2="33995"/>
+                          <a14:foregroundMark x1="58195" y1="76179" x2="67403" y2="66253"/>
+                          <a14:foregroundMark x1="42541" y1="52854" x2="47698" y2="52605"/>
+                          <a14:foregroundMark x1="51013" y1="41687" x2="53039" y2="53350"/>
+                          <a14:foregroundMark x1="68508" y1="53846" x2="67587" y2="59305"/>
+                          <a14:foregroundMark x1="68508" y1="51117" x2="65009" y2="40447"/>
+                          <a14:foregroundMark x1="64088" y1="38710" x2="57274" y2="33251"/>
+                          <a14:foregroundMark x1="37937" y1="60794" x2="43831" y2="70720"/>
+                          <a14:foregroundMark x1="44567" y1="71464" x2="53407" y2="74938"/>
+                          <a14:backgroundMark x1="24678" y1="63524" x2="43094" y2="87593"/>
+                          <a14:backgroundMark x1="14365" y1="64516" x2="33149" y2="48883"/>
+                          <a14:backgroundMark x1="61142" y1="30273" x2="73849" y2="42928"/>
+                        </a14:backgroundRemoval>
+                      </a14:imgEffect>
+                    </a14:imgLayer>
+                  </a14:imgProps>
+                </a:ext>
+                <a:ext uri="{28A0092B-C50C-407E-A947-70E740481C1C}">
+                  <a14:useLocalDpi xmlns:a14="http://schemas.microsoft.com/office/drawing/2010/main" val="0"/>
+                </a:ext>
+              </a:extLst>
+            </a:blip>
+            <a:srcRect l="32224" t="23663" r="28001" b="18347"/>
+            <a:stretch/>
+          </p:blipFill>
+          <p:spPr>
+            <a:xfrm>
+              <a:off x="5880110" y="3294689"/>
+              <a:ext cx="1508937" cy="1632747"/>
+            </a:xfrm>
+            <a:prstGeom prst="rect">
+              <a:avLst/>
+            </a:prstGeom>
+          </p:spPr>
+        </p:pic>
+      </p:grpSp>
     </p:spTree>
     <p:extLst>
       <p:ext uri="{BB962C8B-B14F-4D97-AF65-F5344CB8AC3E}">
         <p14:creationId xmlns:p14="http://schemas.microsoft.com/office/powerpoint/2010/main" val="4066622503"/>
-      </p:ext>
-    </p:extLst>
-  </p:cSld>
-  <p:clrMapOvr>
-    <a:masterClrMapping/>
-  </p:clrMapOvr>
-  <p:timing>
-    <p:tnLst>
-      <p:par>
-        <p:cTn id="1" dur="indefinite" restart="never" nodeType="tmRoot"/>
-      </p:par>
-    </p:tnLst>
-  </p:timing>
-</p:sld>
-</file>
-
-<file path=ppt/slides/slide11.xml><?xml version="1.0" encoding="utf-8"?>
-<p:sld xmlns:a="http://schemas.openxmlformats.org/drawingml/2006/main" xmlns:r="http://schemas.openxmlformats.org/officeDocument/2006/relationships" xmlns:p="http://schemas.openxmlformats.org/presentationml/2006/main">
-  <p:cSld>
-    <p:bg>
-      <p:bgPr>
-        <a:solidFill>
-          <a:schemeClr val="bg1">
-            <a:lumMod val="95000"/>
-            <a:lumOff val="5000"/>
-          </a:schemeClr>
-        </a:solidFill>
-        <a:effectLst/>
-      </p:bgPr>
-    </p:bg>
-    <p:spTree>
-      <p:nvGrpSpPr>
-        <p:cNvPr id="1" name=""/>
-        <p:cNvGrpSpPr/>
-        <p:nvPr/>
-      </p:nvGrpSpPr>
-      <p:grpSpPr>
-        <a:xfrm>
-          <a:off x="0" y="0"/>
-          <a:ext cx="0" cy="0"/>
-          <a:chOff x="0" y="0"/>
-          <a:chExt cx="0" cy="0"/>
-        </a:xfrm>
-      </p:grpSpPr>
-      <p:sp>
-        <p:nvSpPr>
-          <p:cNvPr id="2" name="矩形 1"/>
-          <p:cNvSpPr/>
-          <p:nvPr/>
-        </p:nvSpPr>
-        <p:spPr>
-          <a:xfrm>
-            <a:off x="0" y="0"/>
-            <a:ext cx="12192000" cy="723331"/>
-          </a:xfrm>
-          <a:prstGeom prst="rect">
-            <a:avLst/>
-          </a:prstGeom>
-          <a:solidFill>
-            <a:schemeClr val="bg1">
-              <a:lumMod val="75000"/>
-              <a:lumOff val="25000"/>
-            </a:schemeClr>
-          </a:solidFill>
-          <a:ln>
-            <a:solidFill>
-              <a:schemeClr val="bg1">
-                <a:lumMod val="75000"/>
-                <a:lumOff val="25000"/>
-              </a:schemeClr>
-            </a:solidFill>
-          </a:ln>
-        </p:spPr>
-        <p:style>
-          <a:lnRef idx="2">
-            <a:schemeClr val="accent1">
-              <a:shade val="50000"/>
-            </a:schemeClr>
-          </a:lnRef>
-          <a:fillRef idx="1">
-            <a:schemeClr val="accent1"/>
-          </a:fillRef>
-          <a:effectRef idx="0">
-            <a:schemeClr val="accent1"/>
-          </a:effectRef>
-          <a:fontRef idx="minor">
-            <a:schemeClr val="lt1"/>
-          </a:fontRef>
-        </p:style>
-        <p:txBody>
-          <a:bodyPr rtlCol="0" anchor="ctr"/>
-          <a:lstStyle/>
-          <a:p>
-            <a:pPr algn="ctr"/>
-            <a:endParaRPr lang="zh-TW" altLang="en-US"/>
-          </a:p>
-        </p:txBody>
-      </p:sp>
-      <p:pic>
-        <p:nvPicPr>
-          <p:cNvPr id="7" name="圖片 6" descr="【&lt;strong&gt;Youtube&lt;/strong&gt; Logo】| &lt;strong&gt;Youtube&lt;/strong&gt; Logo Vector Design Icons Free Download"/>
-          <p:cNvPicPr>
-            <a:picLocks noChangeAspect="1"/>
-          </p:cNvPicPr>
-          <p:nvPr/>
-        </p:nvPicPr>
-        <p:blipFill>
-          <a:blip r:embed="rId3" cstate="print">
-            <a:extLst>
-              <a:ext uri="{28A0092B-C50C-407E-A947-70E740481C1C}">
-                <a14:useLocalDpi xmlns:a14="http://schemas.microsoft.com/office/drawing/2010/main" val="0"/>
-              </a:ext>
-            </a:extLst>
-          </a:blip>
-          <a:stretch>
-            <a:fillRect/>
-          </a:stretch>
-        </p:blipFill>
-        <p:spPr>
-          <a:xfrm>
-            <a:off x="501476" y="9167"/>
-            <a:ext cx="964441" cy="723331"/>
-          </a:xfrm>
-          <a:prstGeom prst="rect">
-            <a:avLst/>
-          </a:prstGeom>
-        </p:spPr>
-      </p:pic>
-      <p:sp>
-        <p:nvSpPr>
-          <p:cNvPr id="8" name="圓角矩形 7"/>
-          <p:cNvSpPr/>
-          <p:nvPr/>
-        </p:nvSpPr>
-        <p:spPr>
-          <a:xfrm>
-            <a:off x="207411" y="240697"/>
-            <a:ext cx="283127" cy="49815"/>
-          </a:xfrm>
-          <a:prstGeom prst="roundRect">
-            <a:avLst/>
-          </a:prstGeom>
-          <a:solidFill>
-            <a:schemeClr val="tx1"/>
-          </a:solidFill>
-          <a:ln>
-            <a:solidFill>
-              <a:schemeClr val="tx1"/>
-            </a:solidFill>
-          </a:ln>
-        </p:spPr>
-        <p:style>
-          <a:lnRef idx="2">
-            <a:schemeClr val="accent1">
-              <a:shade val="50000"/>
-            </a:schemeClr>
-          </a:lnRef>
-          <a:fillRef idx="1">
-            <a:schemeClr val="accent1"/>
-          </a:fillRef>
-          <a:effectRef idx="0">
-            <a:schemeClr val="accent1"/>
-          </a:effectRef>
-          <a:fontRef idx="minor">
-            <a:schemeClr val="lt1"/>
-          </a:fontRef>
-        </p:style>
-        <p:txBody>
-          <a:bodyPr rtlCol="0" anchor="ctr"/>
-          <a:lstStyle/>
-          <a:p>
-            <a:pPr algn="ctr"/>
-            <a:endParaRPr lang="zh-TW" altLang="en-US"/>
-          </a:p>
-        </p:txBody>
-      </p:sp>
-      <p:sp>
-        <p:nvSpPr>
-          <p:cNvPr id="11" name="圓角矩形 10"/>
-          <p:cNvSpPr/>
-          <p:nvPr/>
-        </p:nvSpPr>
-        <p:spPr>
-          <a:xfrm>
-            <a:off x="207409" y="335590"/>
-            <a:ext cx="283127" cy="49815"/>
-          </a:xfrm>
-          <a:prstGeom prst="roundRect">
-            <a:avLst/>
-          </a:prstGeom>
-          <a:solidFill>
-            <a:schemeClr val="tx1"/>
-          </a:solidFill>
-          <a:ln>
-            <a:solidFill>
-              <a:schemeClr val="tx1"/>
-            </a:solidFill>
-          </a:ln>
-        </p:spPr>
-        <p:style>
-          <a:lnRef idx="2">
-            <a:schemeClr val="accent1">
-              <a:shade val="50000"/>
-            </a:schemeClr>
-          </a:lnRef>
-          <a:fillRef idx="1">
-            <a:schemeClr val="accent1"/>
-          </a:fillRef>
-          <a:effectRef idx="0">
-            <a:schemeClr val="accent1"/>
-          </a:effectRef>
-          <a:fontRef idx="minor">
-            <a:schemeClr val="lt1"/>
-          </a:fontRef>
-        </p:style>
-        <p:txBody>
-          <a:bodyPr rtlCol="0" anchor="ctr"/>
-          <a:lstStyle/>
-          <a:p>
-            <a:pPr algn="ctr"/>
-            <a:endParaRPr lang="zh-TW" altLang="en-US"/>
-          </a:p>
-        </p:txBody>
-      </p:sp>
-      <p:sp>
-        <p:nvSpPr>
-          <p:cNvPr id="12" name="圓角矩形 11"/>
-          <p:cNvSpPr/>
-          <p:nvPr/>
-        </p:nvSpPr>
-        <p:spPr>
-          <a:xfrm>
-            <a:off x="207409" y="430484"/>
-            <a:ext cx="283127" cy="49815"/>
-          </a:xfrm>
-          <a:prstGeom prst="roundRect">
-            <a:avLst/>
-          </a:prstGeom>
-          <a:solidFill>
-            <a:schemeClr val="tx1"/>
-          </a:solidFill>
-          <a:ln>
-            <a:solidFill>
-              <a:schemeClr val="tx1"/>
-            </a:solidFill>
-          </a:ln>
-        </p:spPr>
-        <p:style>
-          <a:lnRef idx="2">
-            <a:schemeClr val="accent1">
-              <a:shade val="50000"/>
-            </a:schemeClr>
-          </a:lnRef>
-          <a:fillRef idx="1">
-            <a:schemeClr val="accent1"/>
-          </a:fillRef>
-          <a:effectRef idx="0">
-            <a:schemeClr val="accent1"/>
-          </a:effectRef>
-          <a:fontRef idx="minor">
-            <a:schemeClr val="lt1"/>
-          </a:fontRef>
-        </p:style>
-        <p:txBody>
-          <a:bodyPr rtlCol="0" anchor="ctr"/>
-          <a:lstStyle/>
-          <a:p>
-            <a:pPr algn="ctr"/>
-            <a:endParaRPr lang="zh-TW" altLang="en-US"/>
-          </a:p>
-        </p:txBody>
-      </p:sp>
-      <p:sp>
-        <p:nvSpPr>
-          <p:cNvPr id="13" name="文字方塊 12"/>
-          <p:cNvSpPr txBox="1"/>
-          <p:nvPr/>
-        </p:nvSpPr>
-        <p:spPr>
-          <a:xfrm>
-            <a:off x="1095377" y="139999"/>
-            <a:ext cx="1366836" cy="461665"/>
-          </a:xfrm>
-          <a:prstGeom prst="rect">
-            <a:avLst/>
-          </a:prstGeom>
-          <a:noFill/>
-        </p:spPr>
-        <p:txBody>
-          <a:bodyPr wrap="square" rtlCol="0">
-            <a:spAutoFit/>
-          </a:bodyPr>
-          <a:lstStyle/>
-          <a:p>
-            <a:r>
-              <a:rPr lang="en-US" altLang="zh-TW" sz="2400" dirty="0" smtClean="0"/>
-              <a:t>YouTube</a:t>
-            </a:r>
-            <a:endParaRPr lang="zh-TW" altLang="en-US" sz="2400" dirty="0"/>
-          </a:p>
-        </p:txBody>
-      </p:sp>
-      <p:pic>
-        <p:nvPicPr>
-          <p:cNvPr id="16" name="圖片 15" descr="畫面剪輯"/>
-          <p:cNvPicPr>
-            <a:picLocks noChangeAspect="1"/>
-          </p:cNvPicPr>
-          <p:nvPr/>
-        </p:nvPicPr>
-        <p:blipFill>
-          <a:blip r:embed="rId4">
-            <a:extLst>
-              <a:ext uri="{BEBA8EAE-BF5A-486C-A8C5-ECC9F3942E4B}">
-                <a14:imgProps xmlns:a14="http://schemas.microsoft.com/office/drawing/2010/main">
-                  <a14:imgLayer r:embed="rId5">
-                    <a14:imgEffect>
-                      <a14:backgroundRemoval t="0" b="100000" l="0" r="100000">
-                        <a14:foregroundMark x1="8421" y1="39474" x2="9474" y2="39474"/>
-                        <a14:foregroundMark x1="33684" y1="36842" x2="33684" y2="36842"/>
-                        <a14:foregroundMark x1="37368" y1="34211" x2="37368" y2="34211"/>
-                        <a14:foregroundMark x1="40526" y1="36842" x2="40526" y2="36842"/>
-                        <a14:foregroundMark x1="40526" y1="52632" x2="40526" y2="52632"/>
-                        <a14:foregroundMark x1="36842" y1="50000" x2="36842" y2="50000"/>
-                        <a14:foregroundMark x1="34737" y1="68421" x2="34737" y2="68421"/>
-                        <a14:foregroundMark x1="34211" y1="50000" x2="34211" y2="50000"/>
-                        <a14:foregroundMark x1="40526" y1="65789" x2="40526" y2="65789"/>
-                        <a14:foregroundMark x1="88421" y1="50000" x2="88421" y2="50000"/>
-                        <a14:foregroundMark x1="87895" y1="73684" x2="87895" y2="73684"/>
-                        <a14:backgroundMark x1="2105" y1="26316" x2="2105" y2="71053"/>
-                      </a14:backgroundRemoval>
-                    </a14:imgEffect>
-                  </a14:imgLayer>
-                </a14:imgProps>
-              </a:ext>
-              <a:ext uri="{28A0092B-C50C-407E-A947-70E740481C1C}">
-                <a14:useLocalDpi xmlns:a14="http://schemas.microsoft.com/office/drawing/2010/main" val="0"/>
-              </a:ext>
-            </a:extLst>
-          </a:blip>
-          <a:stretch>
-            <a:fillRect/>
-          </a:stretch>
-        </p:blipFill>
-        <p:spPr>
-          <a:xfrm>
-            <a:off x="9326547" y="151113"/>
-            <a:ext cx="2132028" cy="426406"/>
-          </a:xfrm>
-          <a:prstGeom prst="rect">
-            <a:avLst/>
-          </a:prstGeom>
-        </p:spPr>
-      </p:pic>
-      <p:sp>
-        <p:nvSpPr>
-          <p:cNvPr id="18" name="橢圓 17"/>
-          <p:cNvSpPr/>
-          <p:nvPr/>
-        </p:nvSpPr>
-        <p:spPr>
-          <a:xfrm>
-            <a:off x="11676062" y="249287"/>
-            <a:ext cx="269875" cy="251921"/>
-          </a:xfrm>
-          <a:prstGeom prst="ellipse">
-            <a:avLst/>
-          </a:prstGeom>
-          <a:solidFill>
-            <a:srgbClr val="FF0000"/>
-          </a:solidFill>
-          <a:ln>
-            <a:solidFill>
-              <a:srgbClr val="FF0000"/>
-            </a:solidFill>
-          </a:ln>
-        </p:spPr>
-        <p:style>
-          <a:lnRef idx="2">
-            <a:schemeClr val="accent1">
-              <a:shade val="50000"/>
-            </a:schemeClr>
-          </a:lnRef>
-          <a:fillRef idx="1">
-            <a:schemeClr val="accent1"/>
-          </a:fillRef>
-          <a:effectRef idx="0">
-            <a:schemeClr val="accent1"/>
-          </a:effectRef>
-          <a:fontRef idx="minor">
-            <a:schemeClr val="lt1"/>
-          </a:fontRef>
-        </p:style>
-        <p:txBody>
-          <a:bodyPr rtlCol="0" anchor="ctr"/>
-          <a:lstStyle/>
-          <a:p>
-            <a:pPr algn="ctr"/>
-            <a:endParaRPr lang="zh-TW" altLang="en-US"/>
-          </a:p>
-        </p:txBody>
-      </p:sp>
-      <p:sp>
-        <p:nvSpPr>
-          <p:cNvPr id="19" name="矩形 18"/>
-          <p:cNvSpPr/>
-          <p:nvPr/>
-        </p:nvSpPr>
-        <p:spPr>
-          <a:xfrm>
-            <a:off x="3056114" y="192086"/>
-            <a:ext cx="4800600" cy="336822"/>
-          </a:xfrm>
-          <a:prstGeom prst="rect">
-            <a:avLst/>
-          </a:prstGeom>
-          <a:solidFill>
-            <a:schemeClr val="bg1">
-              <a:lumMod val="95000"/>
-              <a:lumOff val="5000"/>
-            </a:schemeClr>
-          </a:solidFill>
-          <a:ln>
-            <a:solidFill>
-              <a:schemeClr val="bg1">
-                <a:lumMod val="65000"/>
-                <a:lumOff val="35000"/>
-              </a:schemeClr>
-            </a:solidFill>
-          </a:ln>
-        </p:spPr>
-        <p:style>
-          <a:lnRef idx="2">
-            <a:schemeClr val="accent1">
-              <a:shade val="50000"/>
-            </a:schemeClr>
-          </a:lnRef>
-          <a:fillRef idx="1">
-            <a:schemeClr val="accent1"/>
-          </a:fillRef>
-          <a:effectRef idx="0">
-            <a:schemeClr val="accent1"/>
-          </a:effectRef>
-          <a:fontRef idx="minor">
-            <a:schemeClr val="lt1"/>
-          </a:fontRef>
-        </p:style>
-        <p:txBody>
-          <a:bodyPr rtlCol="0" anchor="ctr"/>
-          <a:lstStyle/>
-          <a:p>
-            <a:pPr algn="ctr"/>
-            <a:endParaRPr lang="zh-TW" altLang="en-US"/>
-          </a:p>
-        </p:txBody>
-      </p:sp>
-      <p:sp>
-        <p:nvSpPr>
-          <p:cNvPr id="20" name="矩形 19"/>
-          <p:cNvSpPr/>
-          <p:nvPr/>
-        </p:nvSpPr>
-        <p:spPr>
-          <a:xfrm>
-            <a:off x="7856714" y="192087"/>
-            <a:ext cx="593901" cy="336822"/>
-          </a:xfrm>
-          <a:prstGeom prst="rect">
-            <a:avLst/>
-          </a:prstGeom>
-          <a:solidFill>
-            <a:schemeClr val="bg1">
-              <a:lumMod val="65000"/>
-              <a:lumOff val="35000"/>
-            </a:schemeClr>
-          </a:solidFill>
-          <a:ln>
-            <a:solidFill>
-              <a:schemeClr val="bg1">
-                <a:lumMod val="65000"/>
-                <a:lumOff val="35000"/>
-              </a:schemeClr>
-            </a:solidFill>
-          </a:ln>
-        </p:spPr>
-        <p:style>
-          <a:lnRef idx="2">
-            <a:schemeClr val="accent1">
-              <a:shade val="50000"/>
-            </a:schemeClr>
-          </a:lnRef>
-          <a:fillRef idx="1">
-            <a:schemeClr val="accent1"/>
-          </a:fillRef>
-          <a:effectRef idx="0">
-            <a:schemeClr val="accent1"/>
-          </a:effectRef>
-          <a:fontRef idx="minor">
-            <a:schemeClr val="lt1"/>
-          </a:fontRef>
-        </p:style>
-        <p:txBody>
-          <a:bodyPr rtlCol="0" anchor="ctr"/>
-          <a:lstStyle/>
-          <a:p>
-            <a:pPr algn="ctr"/>
-            <a:endParaRPr lang="zh-TW" altLang="en-US"/>
-          </a:p>
-        </p:txBody>
-      </p:sp>
-      <p:grpSp>
-        <p:nvGrpSpPr>
-          <p:cNvPr id="29" name="群組 28"/>
-          <p:cNvGrpSpPr/>
-          <p:nvPr/>
-        </p:nvGrpSpPr>
-        <p:grpSpPr>
-          <a:xfrm>
-            <a:off x="8051605" y="274410"/>
-            <a:ext cx="201041" cy="200769"/>
-            <a:chOff x="8046843" y="263625"/>
-            <a:chExt cx="201041" cy="200769"/>
-          </a:xfrm>
-        </p:grpSpPr>
-        <p:sp>
-          <p:nvSpPr>
-            <p:cNvPr id="21" name="橢圓 20"/>
-            <p:cNvSpPr/>
-            <p:nvPr/>
-          </p:nvSpPr>
-          <p:spPr>
-            <a:xfrm>
-              <a:off x="8046843" y="263625"/>
-              <a:ext cx="125149" cy="125960"/>
-            </a:xfrm>
-            <a:prstGeom prst="ellipse">
-              <a:avLst/>
-            </a:prstGeom>
-            <a:noFill/>
-            <a:ln w="19050">
-              <a:solidFill>
-                <a:schemeClr val="tx1">
-                  <a:lumMod val="75000"/>
-                </a:schemeClr>
-              </a:solidFill>
-            </a:ln>
-          </p:spPr>
-          <p:style>
-            <a:lnRef idx="2">
-              <a:schemeClr val="accent1">
-                <a:shade val="50000"/>
-              </a:schemeClr>
-            </a:lnRef>
-            <a:fillRef idx="1">
-              <a:schemeClr val="accent1"/>
-            </a:fillRef>
-            <a:effectRef idx="0">
-              <a:schemeClr val="accent1"/>
-            </a:effectRef>
-            <a:fontRef idx="minor">
-              <a:schemeClr val="lt1"/>
-            </a:fontRef>
-          </p:style>
-          <p:txBody>
-            <a:bodyPr rtlCol="0" anchor="ctr"/>
-            <a:lstStyle/>
-            <a:p>
-              <a:pPr algn="ctr"/>
-              <a:endParaRPr lang="zh-TW" altLang="en-US"/>
-            </a:p>
-          </p:txBody>
-        </p:sp>
-        <p:cxnSp>
-          <p:nvCxnSpPr>
-            <p:cNvPr id="23" name="直線接點 22"/>
-            <p:cNvCxnSpPr>
-              <a:stCxn id="21" idx="5"/>
-            </p:cNvCxnSpPr>
-            <p:nvPr/>
-          </p:nvCxnSpPr>
-          <p:spPr>
-            <a:xfrm>
-              <a:off x="8153664" y="371139"/>
-              <a:ext cx="94220" cy="93255"/>
-            </a:xfrm>
-            <a:prstGeom prst="line">
-              <a:avLst/>
-            </a:prstGeom>
-            <a:ln w="19050">
-              <a:solidFill>
-                <a:schemeClr val="tx1">
-                  <a:lumMod val="75000"/>
-                </a:schemeClr>
-              </a:solidFill>
-            </a:ln>
-          </p:spPr>
-          <p:style>
-            <a:lnRef idx="1">
-              <a:schemeClr val="accent1"/>
-            </a:lnRef>
-            <a:fillRef idx="0">
-              <a:schemeClr val="accent1"/>
-            </a:fillRef>
-            <a:effectRef idx="0">
-              <a:schemeClr val="accent1"/>
-            </a:effectRef>
-            <a:fontRef idx="minor">
-              <a:schemeClr val="tx1"/>
-            </a:fontRef>
-          </p:style>
-        </p:cxnSp>
-      </p:grpSp>
-      <p:pic>
-        <p:nvPicPr>
-          <p:cNvPr id="10" name="圖片 9"/>
-          <p:cNvPicPr>
-            <a:picLocks noChangeAspect="1"/>
-          </p:cNvPicPr>
-          <p:nvPr/>
-        </p:nvPicPr>
-        <p:blipFill>
-          <a:blip r:embed="rId6">
-            <a:extLst>
-              <a:ext uri="{28A0092B-C50C-407E-A947-70E740481C1C}">
-                <a14:useLocalDpi xmlns:a14="http://schemas.microsoft.com/office/drawing/2010/main" val="0"/>
-              </a:ext>
-            </a:extLst>
-          </a:blip>
-          <a:stretch>
-            <a:fillRect/>
-          </a:stretch>
-        </p:blipFill>
-        <p:spPr>
-          <a:xfrm>
-            <a:off x="501476" y="924584"/>
-            <a:ext cx="5487650" cy="3658433"/>
-          </a:xfrm>
-          <a:prstGeom prst="rect">
-            <a:avLst/>
-          </a:prstGeom>
-        </p:spPr>
-      </p:pic>
-      <p:sp>
-        <p:nvSpPr>
-          <p:cNvPr id="15" name="文字方塊 14"/>
-          <p:cNvSpPr txBox="1"/>
-          <p:nvPr/>
-        </p:nvSpPr>
-        <p:spPr>
-          <a:xfrm>
-            <a:off x="5989125" y="954964"/>
-            <a:ext cx="5956811" cy="1015663"/>
-          </a:xfrm>
-          <a:prstGeom prst="rect">
-            <a:avLst/>
-          </a:prstGeom>
-          <a:noFill/>
-        </p:spPr>
-        <p:txBody>
-          <a:bodyPr wrap="square" rtlCol="0">
-            <a:spAutoFit/>
-          </a:bodyPr>
-          <a:lstStyle/>
-          <a:p>
-            <a:r>
-              <a:rPr lang="en-US" altLang="zh-TW" sz="2000" dirty="0" smtClean="0"/>
-              <a:t>【5】</a:t>
-            </a:r>
-            <a:r>
-              <a:rPr lang="zh-TW" altLang="en-US" sz="2000" dirty="0"/>
-              <a:t>發燒影片中時間區間內是有特定幾種影片</a:t>
-            </a:r>
-            <a:r>
-              <a:rPr lang="zh-TW" altLang="en-US" sz="2000" dirty="0" smtClean="0"/>
-              <a:t>種類的</a:t>
-            </a:r>
-            <a:r>
-              <a:rPr lang="zh-TW" altLang="en-US" sz="2000" dirty="0"/>
-              <a:t>！</a:t>
-            </a:r>
-          </a:p>
-          <a:p>
-            <a:endParaRPr lang="en-US" altLang="zh-TW" sz="2000" dirty="0" smtClean="0"/>
-          </a:p>
-        </p:txBody>
-      </p:sp>
-      <p:pic>
-        <p:nvPicPr>
-          <p:cNvPr id="45" name="圖片 44" descr="畫面剪輯"/>
-          <p:cNvPicPr>
-            <a:picLocks noChangeAspect="1"/>
-          </p:cNvPicPr>
-          <p:nvPr/>
-        </p:nvPicPr>
-        <p:blipFill rotWithShape="1">
-          <a:blip r:embed="rId7">
-            <a:extLst>
-              <a:ext uri="{BEBA8EAE-BF5A-486C-A8C5-ECC9F3942E4B}">
-                <a14:imgProps xmlns:a14="http://schemas.microsoft.com/office/drawing/2010/main">
-                  <a14:imgLayer>
-                    <a14:imgEffect>
-                      <a14:backgroundRemoval t="2857" b="91429" l="1775" r="98817">
-                        <a14:foregroundMark x1="3846" y1="48571" x2="3846" y2="48571"/>
-                        <a14:foregroundMark x1="7101" y1="48571" x2="7101" y2="48571"/>
-                        <a14:foregroundMark x1="27811" y1="40000" x2="27811" y2="40000"/>
-                        <a14:foregroundMark x1="30473" y1="34286" x2="30473" y2="34286"/>
-                        <a14:foregroundMark x1="48521" y1="42857" x2="48521" y2="42857"/>
-                        <a14:foregroundMark x1="46154" y1="54286" x2="46154" y2="54286"/>
-                        <a14:foregroundMark x1="72485" y1="51429" x2="72485" y2="51429"/>
-                        <a14:foregroundMark x1="69822" y1="51429" x2="69822" y2="51429"/>
-                        <a14:foregroundMark x1="69231" y1="40000" x2="70710" y2="40000"/>
-                        <a14:foregroundMark x1="92308" y1="45714" x2="92308" y2="45714"/>
-                        <a14:foregroundMark x1="94675" y1="48571" x2="94675" y2="48571"/>
-                        <a14:foregroundMark x1="96746" y1="51429" x2="96746" y2="51429"/>
-                        <a14:foregroundMark x1="80769" y1="45714" x2="80769" y2="45714"/>
-                        <a14:foregroundMark x1="83432" y1="45714" x2="83432" y2="45714"/>
-                        <a14:foregroundMark x1="76331" y1="34286" x2="76331" y2="34286"/>
-                        <a14:foregroundMark x1="78994" y1="25714" x2="78994" y2="25714"/>
-                        <a14:foregroundMark x1="77811" y1="28571" x2="77811" y2="28571"/>
-                        <a14:foregroundMark x1="77219" y1="25714" x2="77219" y2="25714"/>
-                        <a14:foregroundMark x1="76923" y1="54286" x2="76923" y2="54286"/>
-                        <a14:foregroundMark x1="79586" y1="57143" x2="79586" y2="57143"/>
-                        <a14:foregroundMark x1="78698" y1="60000" x2="78698" y2="60000"/>
-                        <a14:foregroundMark x1="78107" y1="54286" x2="78107" y2="54286"/>
-                        <a14:foregroundMark x1="77515" y1="54286" x2="77515" y2="54286"/>
-                        <a14:foregroundMark x1="82249" y1="45714" x2="82249" y2="45714"/>
-                      </a14:backgroundRemoval>
-                    </a14:imgEffect>
-                  </a14:imgLayer>
-                </a14:imgProps>
-              </a:ext>
-              <a:ext uri="{28A0092B-C50C-407E-A947-70E740481C1C}">
-                <a14:useLocalDpi xmlns:a14="http://schemas.microsoft.com/office/drawing/2010/main" val="0"/>
-              </a:ext>
-            </a:extLst>
-          </a:blip>
-          <a:srcRect l="2" t="1" r="2" b="2455"/>
-          <a:stretch/>
-        </p:blipFill>
-        <p:spPr>
-          <a:xfrm>
-            <a:off x="7676584" y="1688072"/>
-            <a:ext cx="4269353" cy="431242"/>
-          </a:xfrm>
-          <a:prstGeom prst="rect">
-            <a:avLst/>
-          </a:prstGeom>
-        </p:spPr>
-      </p:pic>
-      <p:sp>
-        <p:nvSpPr>
-          <p:cNvPr id="25" name="文字方塊 24"/>
-          <p:cNvSpPr txBox="1"/>
-          <p:nvPr/>
-        </p:nvSpPr>
-        <p:spPr>
-          <a:xfrm>
-            <a:off x="5989126" y="1720676"/>
-            <a:ext cx="6202874" cy="307777"/>
-          </a:xfrm>
-          <a:prstGeom prst="rect">
-            <a:avLst/>
-          </a:prstGeom>
-          <a:noFill/>
-        </p:spPr>
-        <p:txBody>
-          <a:bodyPr wrap="square" rtlCol="0">
-            <a:spAutoFit/>
-          </a:bodyPr>
-          <a:lstStyle/>
-          <a:p>
-            <a:r>
-              <a:rPr lang="zh-TW" altLang="en-US" sz="1400" dirty="0" smtClean="0"/>
-              <a:t>  觀看次數：</a:t>
-            </a:r>
-            <a:r>
-              <a:rPr lang="en-US" altLang="zh-TW" sz="1400" dirty="0" smtClean="0"/>
-              <a:t>12</a:t>
-            </a:r>
-            <a:r>
-              <a:rPr lang="zh-TW" altLang="en-US" sz="1400" dirty="0" smtClean="0"/>
-              <a:t>次                   </a:t>
-            </a:r>
-            <a:r>
-              <a:rPr lang="en-US" altLang="zh-TW" sz="1400" dirty="0" smtClean="0"/>
-              <a:t>10</a:t>
-            </a:r>
-            <a:r>
-              <a:rPr lang="zh-TW" altLang="en-US" sz="1400" dirty="0" smtClean="0"/>
-              <a:t>                     </a:t>
-            </a:r>
-            <a:r>
-              <a:rPr lang="en-US" altLang="zh-TW" sz="1400" dirty="0" smtClean="0"/>
-              <a:t>0</a:t>
-            </a:r>
-            <a:endParaRPr lang="zh-TW" altLang="en-US" sz="1400" dirty="0"/>
-          </a:p>
-        </p:txBody>
-      </p:sp>
-      <p:cxnSp>
-        <p:nvCxnSpPr>
-          <p:cNvPr id="46" name="直線接點 45"/>
-          <p:cNvCxnSpPr/>
-          <p:nvPr/>
-        </p:nvCxnSpPr>
-        <p:spPr>
-          <a:xfrm>
-            <a:off x="6172200" y="2120900"/>
-            <a:ext cx="5773737" cy="12700"/>
-          </a:xfrm>
-          <a:prstGeom prst="line">
-            <a:avLst/>
-          </a:prstGeom>
-          <a:ln>
-            <a:solidFill>
-              <a:schemeClr val="bg1">
-                <a:lumMod val="85000"/>
-                <a:lumOff val="15000"/>
-              </a:schemeClr>
-            </a:solidFill>
-          </a:ln>
-        </p:spPr>
-        <p:style>
-          <a:lnRef idx="1">
-            <a:schemeClr val="accent1"/>
-          </a:lnRef>
-          <a:fillRef idx="0">
-            <a:schemeClr val="accent1"/>
-          </a:fillRef>
-          <a:effectRef idx="0">
-            <a:schemeClr val="accent1"/>
-          </a:effectRef>
-          <a:fontRef idx="minor">
-            <a:schemeClr val="tx1"/>
-          </a:fontRef>
-        </p:style>
-      </p:cxnSp>
-      <p:sp>
-        <p:nvSpPr>
-          <p:cNvPr id="50" name="橢圓 49"/>
-          <p:cNvSpPr/>
-          <p:nvPr/>
-        </p:nvSpPr>
-        <p:spPr>
-          <a:xfrm>
-            <a:off x="6155914" y="2268845"/>
-            <a:ext cx="613185" cy="558417"/>
-          </a:xfrm>
-          <a:prstGeom prst="ellipse">
-            <a:avLst/>
-          </a:prstGeom>
-          <a:solidFill>
-            <a:srgbClr val="FF0000"/>
-          </a:solidFill>
-          <a:ln>
-            <a:solidFill>
-              <a:srgbClr val="FF0000"/>
-            </a:solidFill>
-          </a:ln>
-        </p:spPr>
-        <p:style>
-          <a:lnRef idx="2">
-            <a:schemeClr val="accent1">
-              <a:shade val="50000"/>
-            </a:schemeClr>
-          </a:lnRef>
-          <a:fillRef idx="1">
-            <a:schemeClr val="accent1"/>
-          </a:fillRef>
-          <a:effectRef idx="0">
-            <a:schemeClr val="accent1"/>
-          </a:effectRef>
-          <a:fontRef idx="minor">
-            <a:schemeClr val="lt1"/>
-          </a:fontRef>
-        </p:style>
-        <p:txBody>
-          <a:bodyPr rtlCol="0" anchor="ctr"/>
-          <a:lstStyle/>
-          <a:p>
-            <a:pPr algn="ctr"/>
-            <a:endParaRPr lang="zh-TW" altLang="en-US"/>
-          </a:p>
-        </p:txBody>
-      </p:sp>
-      <p:sp>
-        <p:nvSpPr>
-          <p:cNvPr id="51" name="文字方塊 50"/>
-          <p:cNvSpPr txBox="1"/>
-          <p:nvPr/>
-        </p:nvSpPr>
-        <p:spPr>
-          <a:xfrm>
-            <a:off x="6774883" y="2273264"/>
-            <a:ext cx="2432617" cy="553998"/>
-          </a:xfrm>
-          <a:prstGeom prst="rect">
-            <a:avLst/>
-          </a:prstGeom>
-          <a:noFill/>
-        </p:spPr>
-        <p:txBody>
-          <a:bodyPr wrap="square" rtlCol="0">
-            <a:spAutoFit/>
-          </a:bodyPr>
-          <a:lstStyle/>
-          <a:p>
-            <a:r>
-              <a:rPr lang="en-US" altLang="zh-TW" sz="1600" dirty="0" smtClean="0"/>
-              <a:t>YouTube </a:t>
-            </a:r>
-            <a:r>
-              <a:rPr lang="zh-TW" altLang="en-US" sz="1600" dirty="0" smtClean="0"/>
-              <a:t>推薦</a:t>
-            </a:r>
-            <a:r>
-              <a:rPr lang="zh-TW" altLang="en-US" sz="1600" dirty="0" smtClean="0"/>
-              <a:t>系統分析</a:t>
-            </a:r>
-            <a:endParaRPr lang="en-US" altLang="zh-TW" sz="1600" dirty="0" smtClean="0"/>
-          </a:p>
-          <a:p>
-            <a:r>
-              <a:rPr lang="zh-TW" altLang="en-US" sz="1400" dirty="0" smtClean="0"/>
-              <a:t>發布日期：</a:t>
-            </a:r>
-            <a:r>
-              <a:rPr lang="en-US" altLang="zh-TW" sz="1400" dirty="0" smtClean="0"/>
-              <a:t>2019</a:t>
-            </a:r>
-            <a:r>
-              <a:rPr lang="zh-TW" altLang="en-US" sz="1400" dirty="0" smtClean="0"/>
-              <a:t>年</a:t>
-            </a:r>
-            <a:r>
-              <a:rPr lang="en-US" altLang="zh-TW" sz="1400" dirty="0" smtClean="0"/>
-              <a:t>1</a:t>
-            </a:r>
-            <a:r>
-              <a:rPr lang="zh-TW" altLang="en-US" sz="1400" dirty="0" smtClean="0"/>
-              <a:t>月</a:t>
-            </a:r>
-            <a:r>
-              <a:rPr lang="en-US" altLang="zh-TW" sz="1400" dirty="0" smtClean="0"/>
-              <a:t>29</a:t>
-            </a:r>
-            <a:r>
-              <a:rPr lang="zh-TW" altLang="en-US" sz="1400" dirty="0" smtClean="0"/>
-              <a:t>日</a:t>
-            </a:r>
-            <a:endParaRPr lang="zh-TW" altLang="en-US" sz="1400" dirty="0"/>
-          </a:p>
-        </p:txBody>
-      </p:sp>
-    </p:spTree>
-    <p:extLst>
-      <p:ext uri="{BB962C8B-B14F-4D97-AF65-F5344CB8AC3E}">
-        <p14:creationId xmlns:p14="http://schemas.microsoft.com/office/powerpoint/2010/main" val="2087098658"/>
       </p:ext>
     </p:extLst>
   </p:cSld>
@@ -9365,18 +8396,18 @@
               </a:spcAft>
             </a:pPr>
             <a:r>
-              <a:rPr lang="zh-TW" altLang="en-US" b="1" dirty="0" smtClean="0">
+              <a:rPr lang="zh-TW" altLang="en-US" sz="2000" b="1" dirty="0" smtClean="0">
                 <a:latin typeface="+mn-ea"/>
               </a:rPr>
               <a:t>說</a:t>
             </a:r>
             <a:r>
-              <a:rPr lang="zh-TW" altLang="en-US" b="1" dirty="0">
+              <a:rPr lang="zh-TW" altLang="en-US" sz="2000" b="1" dirty="0">
                 <a:latin typeface="+mn-ea"/>
               </a:rPr>
               <a:t>明</a:t>
             </a:r>
-            <a:endParaRPr lang="en-US" altLang="zh-TW" b="1" dirty="0" smtClean="0">
+            <a:endParaRPr lang="en-US" altLang="zh-TW" sz="2000" b="1" dirty="0" smtClean="0">
               <a:latin typeface="+mn-ea"/>
             </a:endParaRPr>
           </a:p>
@@ -9387,68 +8418,59 @@
               </a:lnSpc>
             </a:pPr>
             <a:r>
-              <a:rPr lang="zh-TW" altLang="en-US" b="1" dirty="0" smtClean="0">
+              <a:rPr lang="zh-TW" altLang="en-US" dirty="0">
                 <a:latin typeface="微軟正黑體" panose="020B0604030504040204" pitchFamily="34" charset="-120"/>
                 <a:ea typeface="微軟正黑體" panose="020B0604030504040204" pitchFamily="34" charset="-120"/>
               </a:rPr>
-              <a:t>分析</a:t>
-            </a:r>
-            <a:r>
-              <a:rPr lang="zh-TW" altLang="en-US" b="1" dirty="0">
+              <a:t>為了在社群媒體</a:t>
+            </a:r>
+            <a:r>
+              <a:rPr lang="en-US" altLang="zh-TW" dirty="0">
                 <a:latin typeface="微軟正黑體" panose="020B0604030504040204" pitchFamily="34" charset="-120"/>
                 <a:ea typeface="微軟正黑體" panose="020B0604030504040204" pitchFamily="34" charset="-120"/>
               </a:rPr>
-              <a:t>使用者在</a:t>
-            </a:r>
-            <a:r>
-              <a:rPr lang="en-US" altLang="zh-TW" b="1" dirty="0">
+              <a:t>(</a:t>
+            </a:r>
+            <a:r>
+              <a:rPr lang="en-US" altLang="zh-TW" dirty="0" err="1">
                 <a:latin typeface="微軟正黑體" panose="020B0604030504040204" pitchFamily="34" charset="-120"/>
                 <a:ea typeface="微軟正黑體" panose="020B0604030504040204" pitchFamily="34" charset="-120"/>
               </a:rPr>
-              <a:t>YouTube</a:t>
-            </a:r>
-            <a:r>
-              <a:rPr lang="zh-TW" altLang="en-US" b="1" dirty="0">
+              <a:t>Youtube</a:t>
+            </a:r>
+            <a:r>
+              <a:rPr lang="en-US" altLang="zh-TW" dirty="0">
                 <a:latin typeface="微軟正黑體" panose="020B0604030504040204" pitchFamily="34" charset="-120"/>
                 <a:ea typeface="微軟正黑體" panose="020B0604030504040204" pitchFamily="34" charset="-120"/>
               </a:rPr>
-              <a:t>圈內的行為偏好</a:t>
-            </a:r>
-            <a:r>
-              <a:rPr lang="en-US" altLang="zh-TW" b="1" dirty="0">
+              <a:t>)</a:t>
+            </a:r>
+            <a:r>
+              <a:rPr lang="zh-TW" altLang="en-US" dirty="0">
                 <a:latin typeface="微軟正黑體" panose="020B0604030504040204" pitchFamily="34" charset="-120"/>
                 <a:ea typeface="微軟正黑體" panose="020B0604030504040204" pitchFamily="34" charset="-120"/>
               </a:rPr>
-              <a:t/>
-            </a:r>
-            <a:br>
-              <a:rPr lang="en-US" altLang="zh-TW" b="1" dirty="0">
+              <a:t>中脫穎而出，除了要有夠好的創意之外，曝光也很重要，如何能夠接觸到觀眾，和理解社群媒體自身的演算法很有關</a:t>
+            </a:r>
+            <a:r>
+              <a:rPr lang="zh-TW" altLang="en-US" dirty="0" smtClean="0">
                 <a:latin typeface="微軟正黑體" panose="020B0604030504040204" pitchFamily="34" charset="-120"/>
                 <a:ea typeface="微軟正黑體" panose="020B0604030504040204" pitchFamily="34" charset="-120"/>
               </a:rPr>
-            </a:br>
-            <a:r>
-              <a:rPr lang="zh-TW" altLang="en-US" b="1" dirty="0">
-                <a:latin typeface="微軟正黑體" panose="020B0604030504040204" pitchFamily="34" charset="-120"/>
-                <a:ea typeface="微軟正黑體" panose="020B0604030504040204" pitchFamily="34" charset="-120"/>
-              </a:rPr>
-              <a:t>觀察其</a:t>
-            </a:r>
-            <a:r>
-              <a:rPr lang="en-US" altLang="zh-TW" b="1" dirty="0">
-                <a:latin typeface="微軟正黑體" panose="020B0604030504040204" pitchFamily="34" charset="-120"/>
-                <a:ea typeface="微軟正黑體" panose="020B0604030504040204" pitchFamily="34" charset="-120"/>
-              </a:rPr>
-              <a:t>YouTube</a:t>
-            </a:r>
-            <a:r>
-              <a:rPr lang="zh-TW" altLang="en-US" b="1" dirty="0">
-                <a:latin typeface="微軟正黑體" panose="020B0604030504040204" pitchFamily="34" charset="-120"/>
-                <a:ea typeface="微軟正黑體" panose="020B0604030504040204" pitchFamily="34" charset="-120"/>
-              </a:rPr>
-              <a:t>圈的現況行為趨勢</a:t>
-            </a:r>
-            <a:endParaRPr lang="en-US" altLang="zh-TW" b="1" dirty="0">
+              <a:t>！</a:t>
+            </a:r>
+            <a:endParaRPr lang="en-US" altLang="zh-TW" dirty="0" smtClean="0">
+              <a:latin typeface="微軟正黑體" panose="020B0604030504040204" pitchFamily="34" charset="-120"/>
+              <a:ea typeface="微軟正黑體" panose="020B0604030504040204" pitchFamily="34" charset="-120"/>
+            </a:endParaRPr>
+          </a:p>
+          <a:p>
+            <a:pPr>
+              <a:lnSpc>
+                <a:spcPts val="3000"/>
+              </a:lnSpc>
+            </a:pPr>
+            <a:endParaRPr lang="en-US" altLang="zh-TW" b="1" dirty="0" smtClean="0">
               <a:latin typeface="微軟正黑體" panose="020B0604030504040204" pitchFamily="34" charset="-120"/>
               <a:ea typeface="微軟正黑體" panose="020B0604030504040204" pitchFamily="34" charset="-120"/>
             </a:endParaRPr>
@@ -9544,84 +8566,84 @@
                 <a:latin typeface="微軟正黑體" panose="020B0604030504040204" pitchFamily="34" charset="-120"/>
                 <a:ea typeface="微軟正黑體" panose="020B0604030504040204" pitchFamily="34" charset="-120"/>
               </a:rPr>
-              <a:t>者現在要做的又是什麼？</a:t>
-            </a:r>
-            <a:br>
-              <a:rPr lang="zh-TW" altLang="en-US" dirty="0">
-                <a:latin typeface="微軟正黑體" panose="020B0604030504040204" pitchFamily="34" charset="-120"/>
-                <a:ea typeface="微軟正黑體" panose="020B0604030504040204" pitchFamily="34" charset="-120"/>
-              </a:rPr>
-            </a:br>
-            <a:r>
-              <a:rPr lang="zh-TW" altLang="en-US" dirty="0">
-                <a:latin typeface="微軟正黑體" panose="020B0604030504040204" pitchFamily="34" charset="-120"/>
-                <a:ea typeface="微軟正黑體" panose="020B0604030504040204" pitchFamily="34" charset="-120"/>
-              </a:rPr>
-              <a:t>為了在社群媒體</a:t>
-            </a:r>
-            <a:r>
-              <a:rPr lang="en-US" altLang="zh-TW" dirty="0">
-                <a:latin typeface="微軟正黑體" panose="020B0604030504040204" pitchFamily="34" charset="-120"/>
-                <a:ea typeface="微軟正黑體" panose="020B0604030504040204" pitchFamily="34" charset="-120"/>
-              </a:rPr>
-              <a:t>(</a:t>
-            </a:r>
-            <a:r>
-              <a:rPr lang="en-US" altLang="zh-TW" dirty="0" err="1">
-                <a:latin typeface="微軟正黑體" panose="020B0604030504040204" pitchFamily="34" charset="-120"/>
-                <a:ea typeface="微軟正黑體" panose="020B0604030504040204" pitchFamily="34" charset="-120"/>
-              </a:rPr>
-              <a:t>Youtube</a:t>
-            </a:r>
-            <a:r>
-              <a:rPr lang="en-US" altLang="zh-TW" dirty="0">
-                <a:latin typeface="微軟正黑體" panose="020B0604030504040204" pitchFamily="34" charset="-120"/>
-                <a:ea typeface="微軟正黑體" panose="020B0604030504040204" pitchFamily="34" charset="-120"/>
-              </a:rPr>
-              <a:t>)</a:t>
-            </a:r>
-            <a:r>
-              <a:rPr lang="zh-TW" altLang="en-US" dirty="0">
-                <a:latin typeface="微軟正黑體" panose="020B0604030504040204" pitchFamily="34" charset="-120"/>
-                <a:ea typeface="微軟正黑體" panose="020B0604030504040204" pitchFamily="34" charset="-120"/>
-              </a:rPr>
-              <a:t>中脫穎而出，除了要有夠好的創意之外</a:t>
+              <a:t>者現在要做的又是什麼</a:t>
             </a:r>
             <a:r>
               <a:rPr lang="zh-TW" altLang="en-US" dirty="0" smtClean="0">
                 <a:latin typeface="微軟正黑體" panose="020B0604030504040204" pitchFamily="34" charset="-120"/>
                 <a:ea typeface="微軟正黑體" panose="020B0604030504040204" pitchFamily="34" charset="-120"/>
               </a:rPr>
-              <a:t>，曝光</a:t>
-            </a:r>
-            <a:r>
-              <a:rPr lang="zh-TW" altLang="en-US" dirty="0">
+              <a:t>？</a:t>
+            </a:r>
+            <a:endParaRPr lang="en-US" altLang="zh-TW" dirty="0" smtClean="0">
+              <a:latin typeface="微軟正黑體" panose="020B0604030504040204" pitchFamily="34" charset="-120"/>
+              <a:ea typeface="微軟正黑體" panose="020B0604030504040204" pitchFamily="34" charset="-120"/>
+            </a:endParaRPr>
+          </a:p>
+          <a:p>
+            <a:pPr marL="285750" indent="-285750">
+              <a:lnSpc>
+                <a:spcPts val="3000"/>
+              </a:lnSpc>
+              <a:buFont typeface="Arial" panose="020B0604020202020204" pitchFamily="34" charset="0"/>
+              <a:buChar char="•"/>
+              <a:defRPr/>
+            </a:pPr>
+            <a:endParaRPr lang="en-US" altLang="zh-TW" dirty="0">
+              <a:latin typeface="微軟正黑體" panose="020B0604030504040204" pitchFamily="34" charset="-120"/>
+              <a:ea typeface="微軟正黑體" panose="020B0604030504040204" pitchFamily="34" charset="-120"/>
+            </a:endParaRPr>
+          </a:p>
+          <a:p>
+            <a:pPr algn="r">
+              <a:lnSpc>
+                <a:spcPts val="3000"/>
+              </a:lnSpc>
+              <a:defRPr/>
+            </a:pPr>
+            <a:r>
+              <a:rPr lang="zh-TW" altLang="en-US" i="1" dirty="0" smtClean="0">
                 <a:latin typeface="微軟正黑體" panose="020B0604030504040204" pitchFamily="34" charset="-120"/>
                 <a:ea typeface="微軟正黑體" panose="020B0604030504040204" pitchFamily="34" charset="-120"/>
               </a:rPr>
-              <a:t>也很重要，如何能夠接觸到觀眾，和理解社群媒體自身的演算法很有關！</a:t>
-            </a:r>
-            <a:br>
-              <a:rPr lang="zh-TW" altLang="en-US" dirty="0">
+              <a:t>接下來我們</a:t>
+            </a:r>
+            <a:r>
+              <a:rPr lang="zh-TW" altLang="en-US" i="1" dirty="0">
                 <a:latin typeface="微軟正黑體" panose="020B0604030504040204" pitchFamily="34" charset="-120"/>
                 <a:ea typeface="微軟正黑體" panose="020B0604030504040204" pitchFamily="34" charset="-120"/>
               </a:rPr>
-            </a:br>
-            <a:r>
-              <a:rPr lang="zh-TW" altLang="en-US" dirty="0">
+              <a:t>將根據以上的問題</a:t>
+            </a:r>
+            <a:r>
+              <a:rPr lang="zh-TW" altLang="en-US" i="1" dirty="0" smtClean="0">
                 <a:latin typeface="微軟正黑體" panose="020B0604030504040204" pitchFamily="34" charset="-120"/>
                 <a:ea typeface="微軟正黑體" panose="020B0604030504040204" pitchFamily="34" charset="-120"/>
               </a:rPr>
-              <a:t>我們將根據以上的問題做繼續深入探討</a:t>
-            </a:r>
-            <a:r>
-              <a:rPr lang="zh-TW" altLang="en-US" dirty="0" smtClean="0">
+              <a:t>做</a:t>
+            </a:r>
+            <a:r>
+              <a:rPr lang="zh-TW" altLang="en-US" i="1" dirty="0" smtClean="0">
                 <a:latin typeface="微軟正黑體" panose="020B0604030504040204" pitchFamily="34" charset="-120"/>
                 <a:ea typeface="微軟正黑體" panose="020B0604030504040204" pitchFamily="34" charset="-120"/>
               </a:rPr>
-              <a:t>。</a:t>
-            </a:r>
-            <a:endParaRPr lang="zh-TW" altLang="en-US" dirty="0">
+              <a:t>更</a:t>
+            </a:r>
+            <a:r>
+              <a:rPr lang="zh-TW" altLang="en-US" i="1" dirty="0" smtClean="0">
+                <a:latin typeface="微軟正黑體" panose="020B0604030504040204" pitchFamily="34" charset="-120"/>
+                <a:ea typeface="微軟正黑體" panose="020B0604030504040204" pitchFamily="34" charset="-120"/>
+              </a:rPr>
+              <a:t>深入探討</a:t>
+            </a:r>
+            <a:r>
+              <a:rPr lang="en-US" altLang="zh-TW" i="1" dirty="0" smtClean="0">
+                <a:latin typeface="微軟正黑體" panose="020B0604030504040204" pitchFamily="34" charset="-120"/>
+                <a:ea typeface="微軟正黑體" panose="020B0604030504040204" pitchFamily="34" charset="-120"/>
+              </a:rPr>
+              <a:t>~</a:t>
+            </a:r>
+            <a:endParaRPr lang="zh-TW" altLang="en-US" i="1" dirty="0">
               <a:latin typeface="微軟正黑體" panose="020B0604030504040204" pitchFamily="34" charset="-120"/>
               <a:ea typeface="微軟正黑體" panose="020B0604030504040204" pitchFamily="34" charset="-120"/>
             </a:endParaRPr>
@@ -9637,13 +8659,13 @@
           <p:nvPr>
             <p:extLst>
               <p:ext uri="{D42A27DB-BD31-4B8C-83A1-F6EECF244321}">
-                <p14:modId xmlns:p14="http://schemas.microsoft.com/office/powerpoint/2010/main" val="1052471405"/>
+                <p14:modId xmlns:p14="http://schemas.microsoft.com/office/powerpoint/2010/main" val="155663344"/>
               </p:ext>
             </p:extLst>
           </p:nvPr>
         </p:nvGraphicFramePr>
         <p:xfrm>
-          <a:off x="7100149" y="2718932"/>
+          <a:off x="7072853" y="2637044"/>
           <a:ext cx="2700932" cy="1854171"/>
         </p:xfrm>
         <a:graphic>
@@ -9668,10 +8690,10 @@
                     <a:lstStyle/>
                     <a:p>
                       <a:r>
-                        <a:rPr lang="zh-TW" altLang="en-US" b="1" dirty="0" smtClean="0"/>
+                        <a:rPr lang="zh-TW" altLang="en-US" sz="2000" b="1" dirty="0" smtClean="0"/>
                         <a:t>統計資料</a:t>
                       </a:r>
-                      <a:endParaRPr lang="en-US" altLang="zh-TW" b="1" dirty="0" smtClean="0"/>
+                      <a:endParaRPr lang="en-US" altLang="zh-TW" sz="2000" b="1" dirty="0" smtClean="0"/>
                     </a:p>
                   </a:txBody>
                   <a:tcPr anchor="ctr">
@@ -9791,11 +8813,15 @@
                     <a:p>
                       <a:r>
                         <a:rPr lang="zh-TW" altLang="en-US" dirty="0" smtClean="0"/>
-                        <a:t>觀看次數：</a:t>
+                        <a:t>觀看次數</a:t>
+                      </a:r>
+                      <a:r>
+                        <a:rPr lang="zh-TW" altLang="en-US" dirty="0" smtClean="0"/>
+                        <a:t>：</a:t>
                       </a:r>
                       <a:r>
                         <a:rPr lang="en-US" altLang="zh-TW" dirty="0" smtClean="0"/>
-                        <a:t>62</a:t>
+                        <a:t>666666</a:t>
                       </a:r>
                       <a:endParaRPr lang="zh-TW" altLang="en-US" dirty="0"/>
                     </a:p>
@@ -9848,13 +8874,13 @@
           <p:nvPr>
             <p:extLst>
               <p:ext uri="{D42A27DB-BD31-4B8C-83A1-F6EECF244321}">
-                <p14:modId xmlns:p14="http://schemas.microsoft.com/office/powerpoint/2010/main" val="1220968392"/>
+                <p14:modId xmlns:p14="http://schemas.microsoft.com/office/powerpoint/2010/main" val="1268411480"/>
               </p:ext>
             </p:extLst>
           </p:nvPr>
         </p:nvGraphicFramePr>
         <p:xfrm>
-          <a:off x="10035201" y="2866952"/>
+          <a:off x="10035201" y="2771416"/>
           <a:ext cx="2144856" cy="3092154"/>
         </p:xfrm>
         <a:graphic>
@@ -9879,10 +8905,10 @@
                     <a:lstStyle/>
                     <a:p>
                       <a:r>
-                        <a:rPr lang="zh-TW" altLang="en-US" sz="1800" b="1" dirty="0" smtClean="0"/>
+                        <a:rPr lang="zh-TW" altLang="en-US" sz="2000" b="1" dirty="0" smtClean="0"/>
                         <a:t>精選頻道</a:t>
                       </a:r>
-                      <a:endParaRPr lang="en-US" altLang="zh-TW" sz="1800" b="1" dirty="0" smtClean="0"/>
+                      <a:endParaRPr lang="en-US" altLang="zh-TW" sz="2000" b="1" dirty="0" smtClean="0"/>
                     </a:p>
                   </a:txBody>
                   <a:tcPr/>
@@ -10005,7 +9031,7 @@
         </p:nvGrpSpPr>
         <p:grpSpPr>
           <a:xfrm>
-            <a:off x="10085708" y="4023674"/>
+            <a:off x="10085708" y="3941786"/>
             <a:ext cx="1372867" cy="338555"/>
             <a:chOff x="10138635" y="3118007"/>
             <a:chExt cx="1372867" cy="338555"/>
@@ -10142,7 +9168,7 @@
         </p:nvGrpSpPr>
         <p:grpSpPr>
           <a:xfrm>
-            <a:off x="10085708" y="5280974"/>
+            <a:off x="10085708" y="5199086"/>
             <a:ext cx="1372867" cy="338555"/>
             <a:chOff x="10138635" y="3118007"/>
             <a:chExt cx="1372867" cy="338555"/>
@@ -10293,7 +9319,7 @@
         </p:blipFill>
         <p:spPr>
           <a:xfrm>
-            <a:off x="10080365" y="3504172"/>
+            <a:off x="10080365" y="3408636"/>
             <a:ext cx="436978" cy="452773"/>
           </a:xfrm>
           <a:prstGeom prst="ellipse">
@@ -10345,7 +9371,7 @@
         </p:blipFill>
         <p:spPr>
           <a:xfrm>
-            <a:off x="10080365" y="4651576"/>
+            <a:off x="10080365" y="4556040"/>
             <a:ext cx="466856" cy="462092"/>
           </a:xfrm>
           <a:prstGeom prst="ellipse">
@@ -11046,7 +10072,7 @@
         <p:spPr>
           <a:xfrm>
             <a:off x="0" y="5216845"/>
-            <a:ext cx="9606016" cy="707886"/>
+            <a:ext cx="9606016" cy="400110"/>
           </a:xfrm>
           <a:prstGeom prst="rect">
             <a:avLst/>
@@ -11061,27 +10087,65 @@
           <a:p>
             <a:r>
               <a:rPr lang="en-US" altLang="zh-TW" sz="2000" dirty="0" smtClean="0"/>
-              <a:t>【1】</a:t>
+              <a:t>【</a:t>
+            </a:r>
+            <a:r>
+              <a:rPr lang="en-US" altLang="zh-TW" sz="2000" dirty="0" smtClean="0"/>
+              <a:t>1】</a:t>
+            </a:r>
+            <a:r>
+              <a:rPr lang="zh-TW" altLang="en-US" sz="2000" dirty="0" smtClean="0"/>
+              <a:t>各類別影片 </a:t>
+            </a:r>
+            <a:r>
+              <a:rPr lang="en-US" altLang="zh-TW" sz="2000" dirty="0" smtClean="0"/>
+              <a:t>-</a:t>
+            </a:r>
+            <a:r>
+              <a:rPr lang="zh-TW" altLang="en-US" sz="2000" dirty="0" smtClean="0"/>
+              <a:t> </a:t>
+            </a:r>
+            <a:r>
+              <a:rPr lang="zh-TW" altLang="en-US" sz="2000" dirty="0" smtClean="0"/>
+              <a:t>觀看次數 </a:t>
+            </a:r>
+            <a:r>
+              <a:rPr lang="en-US" altLang="zh-TW" sz="2000" dirty="0" smtClean="0"/>
+              <a:t>&amp;</a:t>
+            </a:r>
+            <a:r>
+              <a:rPr lang="zh-TW" altLang="en-US" sz="2000" dirty="0" smtClean="0"/>
+              <a:t> 喜歡 </a:t>
+            </a:r>
+            <a:r>
+              <a:rPr lang="en-US" altLang="zh-TW" sz="2000" dirty="0" smtClean="0"/>
+              <a:t>&amp;</a:t>
+            </a:r>
+            <a:r>
+              <a:rPr lang="zh-TW" altLang="en-US" sz="2000" dirty="0" smtClean="0"/>
+              <a:t> </a:t>
+            </a:r>
+            <a:r>
+              <a:rPr lang="zh-TW" altLang="en-US" sz="2000" dirty="0" smtClean="0"/>
+              <a:t>不喜歡 </a:t>
+            </a:r>
+            <a:r>
+              <a:rPr lang="en-US" altLang="zh-TW" sz="2000" dirty="0" smtClean="0"/>
+              <a:t>『</a:t>
+            </a:r>
+            <a:r>
+              <a:rPr lang="zh-TW" altLang="en-US" sz="2000" dirty="0" smtClean="0"/>
+              <a:t>有正</a:t>
             </a:r>
             <a:r>
               <a:rPr lang="zh-TW" altLang="en-US" sz="2000" dirty="0"/>
-              <a:t>影片觀看次數和觀眾的喜歡、不</a:t>
-            </a:r>
-            <a:r>
-              <a:rPr lang="zh-TW" altLang="en-US" sz="2000" dirty="0" smtClean="0"/>
-              <a:t>喜歡有</a:t>
-            </a:r>
-            <a:r>
-              <a:rPr lang="zh-TW" altLang="en-US" sz="2000" dirty="0"/>
-              <a:t>正關係</a:t>
-            </a:r>
-            <a:r>
-              <a:rPr lang="en-US" altLang="zh-TW" sz="2000" dirty="0"/>
-              <a:t>??</a:t>
-            </a:r>
-          </a:p>
-          <a:p>
-            <a:endParaRPr lang="en-US" altLang="zh-TW" sz="2000" dirty="0" smtClean="0"/>
+              <a:t>關係</a:t>
+            </a:r>
+            <a:r>
+              <a:rPr lang="en-US" altLang="zh-TW" sz="2000" dirty="0" smtClean="0"/>
+              <a:t>??』</a:t>
+            </a:r>
+            <a:endParaRPr lang="en-US" altLang="zh-TW" sz="2000" dirty="0"/>
           </a:p>
         </p:txBody>
       </p:sp>
@@ -11176,19 +10240,23 @@
             </a:r>
             <a:r>
               <a:rPr lang="en-US" altLang="zh-TW" sz="1400" dirty="0" smtClean="0"/>
+              <a:t>66666</a:t>
+            </a:r>
+            <a:r>
+              <a:rPr lang="zh-TW" altLang="en-US" sz="1400" dirty="0" smtClean="0"/>
+              <a:t>次                </a:t>
+            </a:r>
+            <a:r>
+              <a:rPr lang="en-US" altLang="zh-TW" sz="1400" dirty="0" smtClean="0"/>
               <a:t>666</a:t>
             </a:r>
             <a:r>
+              <a:rPr lang="zh-TW" altLang="en-US" sz="1400" dirty="0"/>
+              <a:t> </a:t>
+            </a:r>
+            <a:r>
               <a:rPr lang="zh-TW" altLang="en-US" sz="1400" dirty="0" smtClean="0"/>
-              <a:t>次                  </a:t>
-            </a:r>
-            <a:r>
-              <a:rPr lang="en-US" altLang="zh-TW" sz="1400" dirty="0" smtClean="0"/>
-              <a:t>10</a:t>
-            </a:r>
-            <a:r>
-              <a:rPr lang="zh-TW" altLang="en-US" sz="1400" dirty="0" smtClean="0"/>
-              <a:t>                     </a:t>
+              <a:t>                 </a:t>
             </a:r>
             <a:r>
               <a:rPr lang="en-US" altLang="zh-TW" sz="1400" dirty="0" smtClean="0"/>
@@ -11312,11 +10380,7 @@
             </a:r>
             <a:r>
               <a:rPr lang="zh-TW" altLang="en-US" sz="1600" dirty="0" smtClean="0"/>
-              <a:t>推薦</a:t>
-            </a:r>
-            <a:r>
-              <a:rPr lang="zh-TW" altLang="en-US" sz="1600" dirty="0" smtClean="0"/>
-              <a:t>系統分析</a:t>
+              <a:t>推薦系統分析</a:t>
             </a:r>
             <a:endParaRPr lang="en-US" altLang="zh-TW" sz="1600" dirty="0" smtClean="0"/>
           </a:p>
@@ -12295,7 +11359,7 @@
         <p:spPr>
           <a:xfrm>
             <a:off x="0" y="5216845"/>
-            <a:ext cx="9606016" cy="707886"/>
+            <a:ext cx="9606016" cy="400110"/>
           </a:xfrm>
           <a:prstGeom prst="rect">
             <a:avLst/>
@@ -12310,19 +11374,73 @@
           <a:p>
             <a:r>
               <a:rPr lang="en-US" altLang="zh-TW" sz="2000" dirty="0" smtClean="0"/>
-              <a:t>【2】</a:t>
+              <a:t>【2</a:t>
+            </a:r>
+            <a:r>
+              <a:rPr lang="en-US" altLang="zh-TW" sz="2000" dirty="0" smtClean="0"/>
+              <a:t>】</a:t>
             </a:r>
             <a:r>
               <a:rPr lang="zh-TW" altLang="en-US" sz="2000" dirty="0"/>
-              <a:t>影片觀看次數和觀眾的喜歡、不喜歡、留言數有正關係</a:t>
-            </a:r>
-            <a:r>
-              <a:rPr lang="en-US" altLang="zh-TW" sz="2000" dirty="0"/>
-              <a:t>??</a:t>
-            </a:r>
-          </a:p>
-          <a:p>
-            <a:endParaRPr lang="en-US" altLang="zh-TW" sz="2000" dirty="0" smtClean="0"/>
+              <a:t>各</a:t>
+            </a:r>
+            <a:r>
+              <a:rPr lang="zh-TW" altLang="en-US" sz="2000" dirty="0" smtClean="0"/>
+              <a:t>影片</a:t>
+            </a:r>
+            <a:r>
+              <a:rPr lang="zh-TW" altLang="en-US" sz="2000" dirty="0"/>
+              <a:t>觀看</a:t>
+            </a:r>
+            <a:r>
+              <a:rPr lang="zh-TW" altLang="en-US" sz="2000" dirty="0" smtClean="0"/>
+              <a:t>次數區間 </a:t>
+            </a:r>
+            <a:r>
+              <a:rPr lang="en-US" altLang="zh-TW" sz="2000" dirty="0" smtClean="0"/>
+              <a:t>-</a:t>
+            </a:r>
+            <a:r>
+              <a:rPr lang="zh-TW" altLang="en-US" sz="2000" dirty="0" smtClean="0"/>
+              <a:t> </a:t>
+            </a:r>
+            <a:r>
+              <a:rPr lang="zh-TW" altLang="en-US" sz="2000" dirty="0" smtClean="0"/>
+              <a:t>喜歡 </a:t>
+            </a:r>
+            <a:r>
+              <a:rPr lang="en-US" altLang="zh-TW" sz="2000" dirty="0" smtClean="0"/>
+              <a:t>&amp;</a:t>
+            </a:r>
+            <a:r>
+              <a:rPr lang="zh-TW" altLang="en-US" sz="2000" dirty="0" smtClean="0"/>
+              <a:t> 不喜歡 </a:t>
+            </a:r>
+            <a:r>
+              <a:rPr lang="en-US" altLang="zh-TW" sz="2000" dirty="0" smtClean="0"/>
+              <a:t>&amp;</a:t>
+            </a:r>
+            <a:r>
+              <a:rPr lang="zh-TW" altLang="en-US" sz="2000" dirty="0" smtClean="0"/>
+              <a:t> 留言數 </a:t>
+            </a:r>
+            <a:r>
+              <a:rPr lang="en-US" altLang="zh-TW" sz="2000" dirty="0" smtClean="0"/>
+              <a:t>『</a:t>
+            </a:r>
+            <a:r>
+              <a:rPr lang="zh-TW" altLang="en-US" sz="2000" dirty="0" smtClean="0"/>
+              <a:t>有</a:t>
+            </a:r>
+            <a:r>
+              <a:rPr lang="zh-TW" altLang="en-US" sz="2000" dirty="0"/>
+              <a:t>正關係</a:t>
+            </a:r>
+            <a:r>
+              <a:rPr lang="en-US" altLang="zh-TW" sz="2000" dirty="0" smtClean="0"/>
+              <a:t>??』</a:t>
+            </a:r>
+            <a:endParaRPr lang="en-US" altLang="zh-TW" sz="2000" dirty="0"/>
           </a:p>
         </p:txBody>
       </p:sp>
@@ -12413,23 +11531,27 @@
           <a:p>
             <a:r>
               <a:rPr lang="zh-TW" altLang="en-US" sz="1400" dirty="0" smtClean="0"/>
-              <a:t>  觀看次數：</a:t>
+              <a:t>  觀看次數</a:t>
+            </a:r>
+            <a:r>
+              <a:rPr lang="zh-TW" altLang="en-US" sz="1400" dirty="0" smtClean="0"/>
+              <a:t>：</a:t>
             </a:r>
             <a:r>
               <a:rPr lang="en-US" altLang="zh-TW" sz="1400" dirty="0" smtClean="0"/>
-              <a:t>12</a:t>
+              <a:t>66666</a:t>
             </a:r>
             <a:r>
               <a:rPr lang="zh-TW" altLang="en-US" sz="1400" dirty="0" smtClean="0"/>
-              <a:t>次                   </a:t>
+              <a:t>次                </a:t>
             </a:r>
             <a:r>
               <a:rPr lang="en-US" altLang="zh-TW" sz="1400" dirty="0" smtClean="0"/>
-              <a:t>10</a:t>
+              <a:t>666</a:t>
             </a:r>
             <a:r>
               <a:rPr lang="zh-TW" altLang="en-US" sz="1400" dirty="0" smtClean="0"/>
-              <a:t>                     </a:t>
+              <a:t>                  </a:t>
             </a:r>
             <a:r>
               <a:rPr lang="en-US" altLang="zh-TW" sz="1400" dirty="0" smtClean="0"/>
@@ -12553,11 +11675,7 @@
             </a:r>
             <a:r>
               <a:rPr lang="zh-TW" altLang="en-US" sz="1600" dirty="0" smtClean="0"/>
-              <a:t>推薦</a:t>
-            </a:r>
-            <a:r>
-              <a:rPr lang="zh-TW" altLang="en-US" sz="1600" dirty="0" smtClean="0"/>
-              <a:t>系統分析</a:t>
+              <a:t>推薦系統分析</a:t>
             </a:r>
             <a:endParaRPr lang="en-US" altLang="zh-TW" sz="1600" dirty="0" smtClean="0"/>
           </a:p>
@@ -12671,6 +11789,54 @@
               <a:t>即將播放</a:t>
             </a:r>
             <a:endParaRPr lang="zh-TW" altLang="en-US" dirty="0"/>
+          </a:p>
+        </p:txBody>
+      </p:sp>
+      <p:sp>
+        <p:nvSpPr>
+          <p:cNvPr id="24" name="矩形 23"/>
+          <p:cNvSpPr/>
+          <p:nvPr/>
+        </p:nvSpPr>
+        <p:spPr>
+          <a:xfrm>
+            <a:off x="8723893" y="5643344"/>
+            <a:ext cx="3087103" cy="1139376"/>
+          </a:xfrm>
+          <a:prstGeom prst="rect">
+            <a:avLst/>
+          </a:prstGeom>
+          <a:solidFill>
+            <a:schemeClr val="tx1"/>
+          </a:solidFill>
+          <a:ln>
+            <a:solidFill>
+              <a:schemeClr val="tx1"/>
+            </a:solidFill>
+          </a:ln>
+        </p:spPr>
+        <p:style>
+          <a:lnRef idx="2">
+            <a:schemeClr val="accent1">
+              <a:shade val="50000"/>
+            </a:schemeClr>
+          </a:lnRef>
+          <a:fillRef idx="1">
+            <a:schemeClr val="accent1"/>
+          </a:fillRef>
+          <a:effectRef idx="0">
+            <a:schemeClr val="accent1"/>
+          </a:effectRef>
+          <a:fontRef idx="minor">
+            <a:schemeClr val="lt1"/>
+          </a:fontRef>
+        </p:style>
+        <p:txBody>
+          <a:bodyPr rtlCol="0" anchor="ctr"/>
+          <a:lstStyle/>
+          <a:p>
+            <a:pPr algn="ctr"/>
+            <a:endParaRPr lang="zh-TW" altLang="en-US"/>
           </a:p>
         </p:txBody>
       </p:sp>
@@ -13413,23 +12579,27 @@
           <a:p>
             <a:r>
               <a:rPr lang="zh-TW" altLang="en-US" sz="1400" dirty="0" smtClean="0"/>
-              <a:t>  觀看次數：</a:t>
+              <a:t>  觀看次數</a:t>
+            </a:r>
+            <a:r>
+              <a:rPr lang="zh-TW" altLang="en-US" sz="1400" dirty="0" smtClean="0"/>
+              <a:t>：</a:t>
             </a:r>
             <a:r>
               <a:rPr lang="en-US" altLang="zh-TW" sz="1400" dirty="0" smtClean="0"/>
-              <a:t>12</a:t>
+              <a:t>66666</a:t>
             </a:r>
             <a:r>
               <a:rPr lang="zh-TW" altLang="en-US" sz="1400" dirty="0" smtClean="0"/>
-              <a:t>次                   </a:t>
+              <a:t>次                </a:t>
             </a:r>
             <a:r>
               <a:rPr lang="en-US" altLang="zh-TW" sz="1400" dirty="0" smtClean="0"/>
-              <a:t>10</a:t>
+              <a:t>666</a:t>
             </a:r>
             <a:r>
               <a:rPr lang="zh-TW" altLang="en-US" sz="1400" dirty="0" smtClean="0"/>
-              <a:t>                     </a:t>
+              <a:t>                  </a:t>
             </a:r>
             <a:r>
               <a:rPr lang="en-US" altLang="zh-TW" sz="1400" dirty="0" smtClean="0"/>
@@ -13553,11 +12723,7 @@
             </a:r>
             <a:r>
               <a:rPr lang="zh-TW" altLang="en-US" sz="1600" dirty="0" smtClean="0"/>
-              <a:t>推薦</a:t>
-            </a:r>
-            <a:r>
-              <a:rPr lang="zh-TW" altLang="en-US" sz="1600" dirty="0" smtClean="0"/>
-              <a:t>系統分析</a:t>
+              <a:t>推薦系統分析</a:t>
             </a:r>
             <a:endParaRPr lang="en-US" altLang="zh-TW" sz="1600" dirty="0" smtClean="0"/>
           </a:p>
@@ -14421,23 +13587,59 @@
           <a:p>
             <a:r>
               <a:rPr lang="en-US" altLang="zh-TW" sz="2000" dirty="0" smtClean="0"/>
-              <a:t>【4】</a:t>
+              <a:t>【4</a:t>
+            </a:r>
+            <a:r>
+              <a:rPr lang="en-US" altLang="zh-TW" sz="2000" dirty="0" smtClean="0"/>
+              <a:t>】</a:t>
+            </a:r>
+            <a:r>
+              <a:rPr lang="zh-TW" altLang="en-US" sz="2000" dirty="0" smtClean="0"/>
+              <a:t>所有影片 </a:t>
+            </a:r>
+            <a:r>
+              <a:rPr lang="en-US" altLang="zh-TW" sz="2000" dirty="0" smtClean="0"/>
+              <a:t>-</a:t>
+            </a:r>
+            <a:r>
+              <a:rPr lang="zh-TW" altLang="en-US" sz="2000" dirty="0" smtClean="0"/>
+              <a:t> 標籤數</a:t>
             </a:r>
             <a:r>
               <a:rPr lang="zh-TW" altLang="en-US" sz="2000" dirty="0"/>
-              <a:t>影片的標籤數</a:t>
-            </a:r>
-            <a:r>
-              <a:rPr lang="en-US" altLang="zh-TW" sz="2000" dirty="0"/>
-              <a:t>??</a:t>
+              <a:t> </a:t>
+            </a:r>
+            <a:r>
+              <a:rPr lang="en-US" altLang="zh-TW" sz="2000" dirty="0" smtClean="0"/>
+              <a:t>&amp;</a:t>
+            </a:r>
+            <a:r>
+              <a:rPr lang="zh-TW" altLang="en-US" sz="2000" dirty="0" smtClean="0"/>
+              <a:t> </a:t>
+            </a:r>
+            <a:r>
+              <a:rPr lang="zh-TW" altLang="en-US" sz="2000" dirty="0" smtClean="0"/>
+              <a:t>觀看次數 </a:t>
+            </a:r>
+            <a:r>
+              <a:rPr lang="en-US" altLang="zh-TW" sz="2000" dirty="0" smtClean="0"/>
+              <a:t>『</a:t>
+            </a:r>
+            <a:r>
+              <a:rPr lang="zh-TW" altLang="en-US" sz="2000" dirty="0" smtClean="0"/>
+              <a:t>有</a:t>
             </a:r>
             <a:r>
               <a:rPr lang="zh-TW" altLang="en-US" sz="2000" dirty="0"/>
-              <a:t>也和影片觀看次數有正</a:t>
+              <a:t>正</a:t>
             </a:r>
             <a:r>
               <a:rPr lang="zh-TW" altLang="en-US" sz="2000" dirty="0" smtClean="0"/>
               <a:t>關係</a:t>
+            </a:r>
+            <a:r>
+              <a:rPr lang="en-US" altLang="zh-TW" sz="2000" dirty="0" smtClean="0"/>
+              <a:t>??』</a:t>
             </a:r>
             <a:endParaRPr lang="en-US" altLang="zh-TW" sz="2000" dirty="0"/>
           </a:p>
@@ -14530,23 +13732,27 @@
           <a:p>
             <a:r>
               <a:rPr lang="zh-TW" altLang="en-US" sz="1400" dirty="0" smtClean="0"/>
-              <a:t>  觀看次數：</a:t>
+              <a:t>  觀看次數</a:t>
+            </a:r>
+            <a:r>
+              <a:rPr lang="zh-TW" altLang="en-US" sz="1400" dirty="0" smtClean="0"/>
+              <a:t>：</a:t>
             </a:r>
             <a:r>
               <a:rPr lang="en-US" altLang="zh-TW" sz="1400" dirty="0" smtClean="0"/>
-              <a:t>12</a:t>
+              <a:t>66666</a:t>
             </a:r>
             <a:r>
               <a:rPr lang="zh-TW" altLang="en-US" sz="1400" dirty="0" smtClean="0"/>
-              <a:t>次                   </a:t>
+              <a:t>次                </a:t>
             </a:r>
             <a:r>
               <a:rPr lang="en-US" altLang="zh-TW" sz="1400" dirty="0" smtClean="0"/>
-              <a:t>10</a:t>
+              <a:t>666</a:t>
             </a:r>
             <a:r>
               <a:rPr lang="zh-TW" altLang="en-US" sz="1400" dirty="0" smtClean="0"/>
-              <a:t>                     </a:t>
+              <a:t>                  </a:t>
             </a:r>
             <a:r>
               <a:rPr lang="en-US" altLang="zh-TW" sz="1400" dirty="0" smtClean="0"/>
@@ -14670,11 +13876,7 @@
             </a:r>
             <a:r>
               <a:rPr lang="zh-TW" altLang="en-US" sz="1600" dirty="0" smtClean="0"/>
-              <a:t>推薦</a:t>
-            </a:r>
-            <a:r>
-              <a:rPr lang="zh-TW" altLang="en-US" sz="1600" dirty="0" smtClean="0"/>
-              <a:t>系統分析</a:t>
+              <a:t>推薦系統分析</a:t>
             </a:r>
             <a:endParaRPr lang="en-US" altLang="zh-TW" sz="1600" dirty="0" smtClean="0"/>
           </a:p>
@@ -15673,12 +14875,37 @@
             </a:r>
             <a:r>
               <a:rPr lang="zh-TW" altLang="en-US" sz="2000" dirty="0"/>
-              <a:t>的連結，有得話是否和影片觀看次數有正關係</a:t>
-            </a:r>
-            <a:r>
-              <a:rPr lang="en-US" altLang="zh-TW" sz="2000" dirty="0"/>
-              <a:t>??</a:t>
-            </a:r>
+              <a:t>的</a:t>
+            </a:r>
+            <a:r>
+              <a:rPr lang="zh-TW" altLang="en-US" sz="2000" dirty="0" smtClean="0"/>
+              <a:t>連結 </a:t>
+            </a:r>
+            <a:r>
+              <a:rPr lang="en-US" altLang="zh-TW" sz="2000" dirty="0" smtClean="0"/>
+              <a:t>&amp;</a:t>
+            </a:r>
+            <a:r>
+              <a:rPr lang="zh-TW" altLang="en-US" sz="2000" dirty="0" smtClean="0"/>
+              <a:t> 觀看次數 </a:t>
+            </a:r>
+            <a:r>
+              <a:rPr lang="en-US" altLang="zh-TW" sz="2000" dirty="0" smtClean="0"/>
+              <a:t>『</a:t>
+            </a:r>
+            <a:r>
+              <a:rPr lang="zh-TW" altLang="en-US" sz="2000" dirty="0" smtClean="0"/>
+              <a:t>有</a:t>
+            </a:r>
+            <a:r>
+              <a:rPr lang="zh-TW" altLang="en-US" sz="2000" dirty="0"/>
+              <a:t>正關係</a:t>
+            </a:r>
+            <a:r>
+              <a:rPr lang="en-US" altLang="zh-TW" sz="2000" dirty="0" smtClean="0"/>
+              <a:t>??』</a:t>
+            </a:r>
+            <a:endParaRPr lang="en-US" altLang="zh-TW" sz="2000" dirty="0"/>
           </a:p>
         </p:txBody>
       </p:sp>
@@ -15769,23 +14996,27 @@
           <a:p>
             <a:r>
               <a:rPr lang="zh-TW" altLang="en-US" sz="1400" dirty="0" smtClean="0"/>
-              <a:t>  觀看次數：</a:t>
+              <a:t>  觀看次數</a:t>
+            </a:r>
+            <a:r>
+              <a:rPr lang="zh-TW" altLang="en-US" sz="1400" dirty="0" smtClean="0"/>
+              <a:t>：</a:t>
             </a:r>
             <a:r>
               <a:rPr lang="en-US" altLang="zh-TW" sz="1400" dirty="0" smtClean="0"/>
-              <a:t>12</a:t>
+              <a:t>66666</a:t>
             </a:r>
             <a:r>
               <a:rPr lang="zh-TW" altLang="en-US" sz="1400" dirty="0" smtClean="0"/>
-              <a:t>次                   </a:t>
+              <a:t>次                </a:t>
             </a:r>
             <a:r>
               <a:rPr lang="en-US" altLang="zh-TW" sz="1400" dirty="0" smtClean="0"/>
-              <a:t>10</a:t>
+              <a:t>666</a:t>
             </a:r>
             <a:r>
               <a:rPr lang="zh-TW" altLang="en-US" sz="1400" dirty="0" smtClean="0"/>
-              <a:t>                     </a:t>
+              <a:t>                  </a:t>
             </a:r>
             <a:r>
               <a:rPr lang="en-US" altLang="zh-TW" sz="1400" dirty="0" smtClean="0"/>
@@ -15909,11 +15140,7 @@
             </a:r>
             <a:r>
               <a:rPr lang="zh-TW" altLang="en-US" sz="1600" dirty="0" smtClean="0"/>
-              <a:t>推薦</a:t>
-            </a:r>
-            <a:r>
-              <a:rPr lang="zh-TW" altLang="en-US" sz="1600" dirty="0" smtClean="0"/>
-              <a:t>系統分析</a:t>
+              <a:t>推薦系統分析</a:t>
             </a:r>
             <a:endParaRPr lang="en-US" altLang="zh-TW" sz="1600" dirty="0" smtClean="0"/>
           </a:p>
@@ -15950,9 +15177,148 @@
           </a:p>
         </p:txBody>
       </p:sp>
+      <p:sp>
+        <p:nvSpPr>
+          <p:cNvPr id="35" name="文字方塊 34"/>
+          <p:cNvSpPr txBox="1"/>
+          <p:nvPr/>
+        </p:nvSpPr>
+        <p:spPr>
+          <a:xfrm>
+            <a:off x="4108381" y="6271600"/>
+            <a:ext cx="1848431" cy="400110"/>
+          </a:xfrm>
+          <a:prstGeom prst="rect">
+            <a:avLst/>
+          </a:prstGeom>
+          <a:solidFill>
+            <a:srgbClr val="FF0000"/>
+          </a:solidFill>
+          <a:ln>
+            <a:solidFill>
+              <a:srgbClr val="FF0000"/>
+            </a:solidFill>
+          </a:ln>
+        </p:spPr>
+        <p:txBody>
+          <a:bodyPr wrap="square" rtlCol="0">
+            <a:spAutoFit/>
+          </a:bodyPr>
+          <a:lstStyle/>
+          <a:p>
+            <a:pPr algn="ctr"/>
+            <a:r>
+              <a:rPr lang="zh-TW" altLang="en-US" sz="2000" b="1" dirty="0" smtClean="0"/>
+              <a:t>訂閱（</a:t>
+            </a:r>
+            <a:r>
+              <a:rPr lang="en-US" altLang="zh-TW" sz="2000" b="1" dirty="0" smtClean="0"/>
+              <a:t>666</a:t>
+            </a:r>
+            <a:r>
+              <a:rPr lang="zh-TW" altLang="en-US" sz="2000" b="1" dirty="0" smtClean="0"/>
+              <a:t>）</a:t>
+            </a:r>
+            <a:endParaRPr lang="zh-TW" altLang="en-US" sz="2000" b="1" dirty="0"/>
+          </a:p>
+        </p:txBody>
+      </p:sp>
+      <p:pic>
+        <p:nvPicPr>
+          <p:cNvPr id="36" name="圖片 35"/>
+          <p:cNvPicPr>
+            <a:picLocks noChangeAspect="1"/>
+          </p:cNvPicPr>
+          <p:nvPr/>
+        </p:nvPicPr>
+        <p:blipFill rotWithShape="1">
+          <a:blip r:embed="rId7" cstate="print">
+            <a:extLst>
+              <a:ext uri="{28A0092B-C50C-407E-A947-70E740481C1C}">
+                <a14:useLocalDpi xmlns:a14="http://schemas.microsoft.com/office/drawing/2010/main" val="0"/>
+              </a:ext>
+            </a:extLst>
+          </a:blip>
+          <a:srcRect t="8526" b="5952"/>
+          <a:stretch/>
+        </p:blipFill>
+        <p:spPr>
+          <a:xfrm>
+            <a:off x="8723895" y="5643345"/>
+            <a:ext cx="3087103" cy="1139377"/>
+          </a:xfrm>
+          <a:prstGeom prst="rect">
+            <a:avLst/>
+          </a:prstGeom>
+        </p:spPr>
+      </p:pic>
+      <p:sp>
+        <p:nvSpPr>
+          <p:cNvPr id="37" name="矩形 36"/>
+          <p:cNvSpPr/>
+          <p:nvPr/>
+        </p:nvSpPr>
+        <p:spPr>
+          <a:xfrm>
+            <a:off x="7599666" y="5559184"/>
+            <a:ext cx="1107996" cy="369332"/>
+          </a:xfrm>
+          <a:prstGeom prst="rect">
+            <a:avLst/>
+          </a:prstGeom>
+        </p:spPr>
+        <p:txBody>
+          <a:bodyPr wrap="none">
+            <a:spAutoFit/>
+          </a:bodyPr>
+          <a:lstStyle/>
+          <a:p>
+            <a:r>
+              <a:rPr lang="zh-TW" altLang="en-US" dirty="0">
+                <a:solidFill>
+                  <a:srgbClr val="FFFFFF"/>
+                </a:solidFill>
+                <a:latin typeface="Roboto"/>
+              </a:rPr>
+              <a:t>即將播放</a:t>
+            </a:r>
+            <a:endParaRPr lang="zh-TW" altLang="en-US" dirty="0"/>
+          </a:p>
+        </p:txBody>
+      </p:sp>
+      <p:pic>
+        <p:nvPicPr>
+          <p:cNvPr id="40" name="圖片 39"/>
+          <p:cNvPicPr>
+            <a:picLocks noChangeAspect="1"/>
+          </p:cNvPicPr>
+          <p:nvPr/>
+        </p:nvPicPr>
+        <p:blipFill>
+          <a:blip r:embed="rId8" cstate="print">
+            <a:extLst>
+              <a:ext uri="{28A0092B-C50C-407E-A947-70E740481C1C}">
+                <a14:useLocalDpi xmlns:a14="http://schemas.microsoft.com/office/drawing/2010/main" val="0"/>
+              </a:ext>
+            </a:extLst>
+          </a:blip>
+          <a:stretch>
+            <a:fillRect/>
+          </a:stretch>
+        </p:blipFill>
+        <p:spPr>
+          <a:xfrm>
+            <a:off x="8723894" y="5643344"/>
+            <a:ext cx="3087103" cy="1139377"/>
+          </a:xfrm>
+          <a:prstGeom prst="rect">
+            <a:avLst/>
+          </a:prstGeom>
+        </p:spPr>
+      </p:pic>
       <p:grpSp>
         <p:nvGrpSpPr>
-          <p:cNvPr id="17" name="群組 16"/>
+          <p:cNvPr id="6" name="群組 5"/>
           <p:cNvGrpSpPr/>
           <p:nvPr/>
         </p:nvGrpSpPr>
@@ -16014,14 +15380,14 @@
         </p:sp>
         <p:pic>
           <p:nvPicPr>
-            <p:cNvPr id="9" name="圖片 8"/>
+            <p:cNvPr id="3" name="圖片 2"/>
             <p:cNvPicPr>
               <a:picLocks noChangeAspect="1"/>
             </p:cNvPicPr>
             <p:nvPr/>
           </p:nvPicPr>
           <p:blipFill>
-            <a:blip r:embed="rId7">
+            <a:blip r:embed="rId9">
               <a:extLst>
                 <a:ext uri="{28A0092B-C50C-407E-A947-70E740481C1C}">
                   <a14:useLocalDpi xmlns:a14="http://schemas.microsoft.com/office/drawing/2010/main" val="0"/>
@@ -16034,7 +15400,7 @@
           </p:blipFill>
           <p:spPr>
             <a:xfrm>
-              <a:off x="166789" y="1144662"/>
+              <a:off x="6472154" y="1138752"/>
               <a:ext cx="5487650" cy="3658433"/>
             </a:xfrm>
             <a:prstGeom prst="rect">
@@ -16044,14 +15410,14 @@
         </p:pic>
         <p:pic>
           <p:nvPicPr>
-            <p:cNvPr id="14" name="圖片 13"/>
+            <p:cNvPr id="4" name="圖片 3"/>
             <p:cNvPicPr>
               <a:picLocks noChangeAspect="1"/>
             </p:cNvPicPr>
             <p:nvPr/>
           </p:nvPicPr>
           <p:blipFill>
-            <a:blip r:embed="rId8">
+            <a:blip r:embed="rId10">
               <a:extLst>
                 <a:ext uri="{28A0092B-C50C-407E-A947-70E740481C1C}">
                   <a14:useLocalDpi xmlns:a14="http://schemas.microsoft.com/office/drawing/2010/main" val="0"/>
@@ -16064,7 +15430,7 @@
           </p:blipFill>
           <p:spPr>
             <a:xfrm>
-              <a:off x="6458287" y="1140872"/>
+              <a:off x="232197" y="1140872"/>
               <a:ext cx="5487650" cy="3658433"/>
             </a:xfrm>
             <a:prstGeom prst="rect">
@@ -16073,145 +15439,6 @@
           </p:spPr>
         </p:pic>
       </p:grpSp>
-      <p:sp>
-        <p:nvSpPr>
-          <p:cNvPr id="35" name="文字方塊 34"/>
-          <p:cNvSpPr txBox="1"/>
-          <p:nvPr/>
-        </p:nvSpPr>
-        <p:spPr>
-          <a:xfrm>
-            <a:off x="4108381" y="6271600"/>
-            <a:ext cx="1848431" cy="400110"/>
-          </a:xfrm>
-          <a:prstGeom prst="rect">
-            <a:avLst/>
-          </a:prstGeom>
-          <a:solidFill>
-            <a:srgbClr val="FF0000"/>
-          </a:solidFill>
-          <a:ln>
-            <a:solidFill>
-              <a:srgbClr val="FF0000"/>
-            </a:solidFill>
-          </a:ln>
-        </p:spPr>
-        <p:txBody>
-          <a:bodyPr wrap="square" rtlCol="0">
-            <a:spAutoFit/>
-          </a:bodyPr>
-          <a:lstStyle/>
-          <a:p>
-            <a:pPr algn="ctr"/>
-            <a:r>
-              <a:rPr lang="zh-TW" altLang="en-US" sz="2000" b="1" dirty="0" smtClean="0"/>
-              <a:t>訂閱（</a:t>
-            </a:r>
-            <a:r>
-              <a:rPr lang="en-US" altLang="zh-TW" sz="2000" b="1" dirty="0" smtClean="0"/>
-              <a:t>666</a:t>
-            </a:r>
-            <a:r>
-              <a:rPr lang="zh-TW" altLang="en-US" sz="2000" b="1" dirty="0" smtClean="0"/>
-              <a:t>）</a:t>
-            </a:r>
-            <a:endParaRPr lang="zh-TW" altLang="en-US" sz="2000" b="1" dirty="0"/>
-          </a:p>
-        </p:txBody>
-      </p:sp>
-      <p:pic>
-        <p:nvPicPr>
-          <p:cNvPr id="36" name="圖片 35"/>
-          <p:cNvPicPr>
-            <a:picLocks noChangeAspect="1"/>
-          </p:cNvPicPr>
-          <p:nvPr/>
-        </p:nvPicPr>
-        <p:blipFill rotWithShape="1">
-          <a:blip r:embed="rId9" cstate="print">
-            <a:extLst>
-              <a:ext uri="{28A0092B-C50C-407E-A947-70E740481C1C}">
-                <a14:useLocalDpi xmlns:a14="http://schemas.microsoft.com/office/drawing/2010/main" val="0"/>
-              </a:ext>
-            </a:extLst>
-          </a:blip>
-          <a:srcRect t="8526" b="5952"/>
-          <a:stretch/>
-        </p:blipFill>
-        <p:spPr>
-          <a:xfrm>
-            <a:off x="8723895" y="5643345"/>
-            <a:ext cx="3087103" cy="1139377"/>
-          </a:xfrm>
-          <a:prstGeom prst="rect">
-            <a:avLst/>
-          </a:prstGeom>
-        </p:spPr>
-      </p:pic>
-      <p:sp>
-        <p:nvSpPr>
-          <p:cNvPr id="37" name="矩形 36"/>
-          <p:cNvSpPr/>
-          <p:nvPr/>
-        </p:nvSpPr>
-        <p:spPr>
-          <a:xfrm>
-            <a:off x="7599666" y="5559184"/>
-            <a:ext cx="1107996" cy="369332"/>
-          </a:xfrm>
-          <a:prstGeom prst="rect">
-            <a:avLst/>
-          </a:prstGeom>
-        </p:spPr>
-        <p:txBody>
-          <a:bodyPr wrap="none">
-            <a:spAutoFit/>
-          </a:bodyPr>
-          <a:lstStyle/>
-          <a:p>
-            <a:r>
-              <a:rPr lang="zh-TW" altLang="en-US" dirty="0">
-                <a:solidFill>
-                  <a:srgbClr val="FFFFFF"/>
-                </a:solidFill>
-                <a:latin typeface="Roboto"/>
-              </a:rPr>
-              <a:t>即將播放</a:t>
-            </a:r>
-            <a:endParaRPr lang="zh-TW" altLang="en-US" dirty="0"/>
-          </a:p>
-        </p:txBody>
-      </p:sp>
-      <p:pic>
-        <p:nvPicPr>
-          <p:cNvPr id="40" name="圖片 39"/>
-          <p:cNvPicPr>
-            <a:picLocks noChangeAspect="1"/>
-          </p:cNvPicPr>
-          <p:nvPr/>
-        </p:nvPicPr>
-        <p:blipFill>
-          <a:blip r:embed="rId10" cstate="print">
-            <a:extLst>
-              <a:ext uri="{28A0092B-C50C-407E-A947-70E740481C1C}">
-                <a14:useLocalDpi xmlns:a14="http://schemas.microsoft.com/office/drawing/2010/main" val="0"/>
-              </a:ext>
-            </a:extLst>
-          </a:blip>
-          <a:stretch>
-            <a:fillRect/>
-          </a:stretch>
-        </p:blipFill>
-        <p:spPr>
-          <a:xfrm>
-            <a:off x="8723894" y="5643344"/>
-            <a:ext cx="3087103" cy="1139377"/>
-          </a:xfrm>
-          <a:prstGeom prst="rect">
-            <a:avLst/>
-          </a:prstGeom>
-        </p:spPr>
-      </p:pic>
     </p:spTree>
     <p:extLst>
       <p:ext uri="{BB962C8B-B14F-4D97-AF65-F5344CB8AC3E}">
@@ -16948,23 +16175,27 @@
           <a:p>
             <a:r>
               <a:rPr lang="zh-TW" altLang="en-US" sz="1400" dirty="0" smtClean="0"/>
-              <a:t>  觀看次數：</a:t>
+              <a:t>  觀看次數</a:t>
+            </a:r>
+            <a:r>
+              <a:rPr lang="zh-TW" altLang="en-US" sz="1400" dirty="0" smtClean="0"/>
+              <a:t>：</a:t>
             </a:r>
             <a:r>
               <a:rPr lang="en-US" altLang="zh-TW" sz="1400" dirty="0" smtClean="0"/>
-              <a:t>12</a:t>
+              <a:t>66666</a:t>
             </a:r>
             <a:r>
               <a:rPr lang="zh-TW" altLang="en-US" sz="1400" dirty="0" smtClean="0"/>
-              <a:t>次                   </a:t>
+              <a:t>次                </a:t>
             </a:r>
             <a:r>
               <a:rPr lang="en-US" altLang="zh-TW" sz="1400" dirty="0" smtClean="0"/>
-              <a:t>10</a:t>
+              <a:t>666</a:t>
             </a:r>
             <a:r>
               <a:rPr lang="zh-TW" altLang="en-US" sz="1400" dirty="0" smtClean="0"/>
-              <a:t>                     </a:t>
+              <a:t>                  </a:t>
             </a:r>
             <a:r>
               <a:rPr lang="en-US" altLang="zh-TW" sz="1400" dirty="0" smtClean="0"/>
@@ -17088,11 +16319,7 @@
             </a:r>
             <a:r>
               <a:rPr lang="zh-TW" altLang="en-US" sz="1600" dirty="0" smtClean="0"/>
-              <a:t>推薦</a:t>
-            </a:r>
-            <a:r>
-              <a:rPr lang="zh-TW" altLang="en-US" sz="1600" dirty="0" smtClean="0"/>
-              <a:t>系統分析</a:t>
+              <a:t>推薦系統分析</a:t>
             </a:r>
             <a:endParaRPr lang="en-US" altLang="zh-TW" sz="1600" dirty="0" smtClean="0"/>
           </a:p>
@@ -18529,7 +17756,7 @@
         <p:spPr>
           <a:xfrm>
             <a:off x="207409" y="2681350"/>
-            <a:ext cx="6643334" cy="4106252"/>
+            <a:ext cx="6865444" cy="3721532"/>
           </a:xfrm>
           <a:prstGeom prst="rect">
             <a:avLst/>
@@ -18550,20 +17777,11 @@
               </a:spcAft>
             </a:pPr>
             <a:r>
-              <a:rPr lang="zh-TW" altLang="en-US" b="1" dirty="0" smtClean="0">
+              <a:rPr lang="zh-TW" altLang="en-US" sz="2000" b="1" dirty="0" smtClean="0">
                 <a:latin typeface="+mn-ea"/>
               </a:rPr>
-              <a:t>說</a:t>
-            </a:r>
-            <a:r>
-              <a:rPr lang="zh-TW" altLang="en-US" b="1" dirty="0">
-                <a:latin typeface="+mn-ea"/>
-              </a:rPr>
-              <a:t>明</a:t>
-            </a:r>
-            <a:endParaRPr lang="en-US" altLang="zh-TW" b="1" dirty="0" smtClean="0">
-              <a:latin typeface="+mn-ea"/>
-            </a:endParaRPr>
+              <a:t>說明</a:t>
+            </a:r>
           </a:p>
           <a:p>
             <a:pPr>
@@ -18572,101 +17790,80 @@
               </a:lnSpc>
             </a:pPr>
             <a:r>
-              <a:rPr lang="zh-TW" altLang="en-US" b="1" dirty="0" smtClean="0">
-                <a:latin typeface="微軟正黑體" panose="020B0604030504040204" pitchFamily="34" charset="-120"/>
-                <a:ea typeface="微軟正黑體" panose="020B0604030504040204" pitchFamily="34" charset="-120"/>
-              </a:rPr>
-              <a:t>分析</a:t>
-            </a:r>
-            <a:r>
-              <a:rPr lang="zh-TW" altLang="en-US" b="1" dirty="0">
-                <a:latin typeface="微軟正黑體" panose="020B0604030504040204" pitchFamily="34" charset="-120"/>
-                <a:ea typeface="微軟正黑體" panose="020B0604030504040204" pitchFamily="34" charset="-120"/>
-              </a:rPr>
-              <a:t>使用者在</a:t>
-            </a:r>
-            <a:r>
-              <a:rPr lang="en-US" altLang="zh-TW" b="1" dirty="0">
-                <a:latin typeface="微軟正黑體" panose="020B0604030504040204" pitchFamily="34" charset="-120"/>
-                <a:ea typeface="微軟正黑體" panose="020B0604030504040204" pitchFamily="34" charset="-120"/>
-              </a:rPr>
-              <a:t>YouTube</a:t>
-            </a:r>
-            <a:r>
-              <a:rPr lang="zh-TW" altLang="en-US" b="1" dirty="0">
-                <a:latin typeface="微軟正黑體" panose="020B0604030504040204" pitchFamily="34" charset="-120"/>
-                <a:ea typeface="微軟正黑體" panose="020B0604030504040204" pitchFamily="34" charset="-120"/>
-              </a:rPr>
-              <a:t>圈內的行為偏好</a:t>
-            </a:r>
-            <a:r>
-              <a:rPr lang="en-US" altLang="zh-TW" b="1" dirty="0">
-                <a:latin typeface="微軟正黑體" panose="020B0604030504040204" pitchFamily="34" charset="-120"/>
-                <a:ea typeface="微軟正黑體" panose="020B0604030504040204" pitchFamily="34" charset="-120"/>
-              </a:rPr>
-              <a:t/>
-            </a:r>
-            <a:br>
-              <a:rPr lang="en-US" altLang="zh-TW" b="1" dirty="0">
-                <a:latin typeface="微軟正黑體" panose="020B0604030504040204" pitchFamily="34" charset="-120"/>
-                <a:ea typeface="微軟正黑體" panose="020B0604030504040204" pitchFamily="34" charset="-120"/>
-              </a:rPr>
-            </a:br>
-            <a:r>
-              <a:rPr lang="zh-TW" altLang="en-US" b="1" dirty="0">
-                <a:latin typeface="微軟正黑體" panose="020B0604030504040204" pitchFamily="34" charset="-120"/>
-                <a:ea typeface="微軟正黑體" panose="020B0604030504040204" pitchFamily="34" charset="-120"/>
-              </a:rPr>
-              <a:t>觀察其</a:t>
-            </a:r>
-            <a:r>
-              <a:rPr lang="en-US" altLang="zh-TW" b="1" dirty="0">
-                <a:latin typeface="微軟正黑體" panose="020B0604030504040204" pitchFamily="34" charset="-120"/>
-                <a:ea typeface="微軟正黑體" panose="020B0604030504040204" pitchFamily="34" charset="-120"/>
-              </a:rPr>
-              <a:t>YouTube</a:t>
-            </a:r>
-            <a:r>
-              <a:rPr lang="zh-TW" altLang="en-US" b="1" dirty="0">
-                <a:latin typeface="微軟正黑體" panose="020B0604030504040204" pitchFamily="34" charset="-120"/>
-                <a:ea typeface="微軟正黑體" panose="020B0604030504040204" pitchFamily="34" charset="-120"/>
-              </a:rPr>
-              <a:t>圈的現況行為趨勢</a:t>
-            </a:r>
-            <a:endParaRPr lang="en-US" altLang="zh-TW" b="1" dirty="0">
-              <a:latin typeface="微軟正黑體" panose="020B0604030504040204" pitchFamily="34" charset="-120"/>
-              <a:ea typeface="微軟正黑體" panose="020B0604030504040204" pitchFamily="34" charset="-120"/>
-            </a:endParaRPr>
-          </a:p>
-          <a:p>
-            <a:pPr marL="285750" indent="-285750">
-              <a:lnSpc>
-                <a:spcPts val="3000"/>
-              </a:lnSpc>
-              <a:buFont typeface="Arial" panose="020B0604020202020204" pitchFamily="34" charset="0"/>
-              <a:buChar char="•"/>
-              <a:defRPr/>
-            </a:pPr>
-            <a:r>
               <a:rPr lang="zh-TW" altLang="en-US" dirty="0" smtClean="0">
                 <a:latin typeface="微軟正黑體" panose="020B0604030504040204" pitchFamily="34" charset="-120"/>
                 <a:ea typeface="微軟正黑體" panose="020B0604030504040204" pitchFamily="34" charset="-120"/>
               </a:rPr>
-              <a:t>觀眾</a:t>
+              <a:t>結論：</a:t>
+            </a:r>
+            <a:endParaRPr lang="en-US" altLang="zh-TW" dirty="0" smtClean="0">
+              <a:latin typeface="微軟正黑體" panose="020B0604030504040204" pitchFamily="34" charset="-120"/>
+              <a:ea typeface="微軟正黑體" panose="020B0604030504040204" pitchFamily="34" charset="-120"/>
+            </a:endParaRPr>
+          </a:p>
+          <a:p>
+            <a:pPr marL="342900" indent="-342900">
+              <a:lnSpc>
+                <a:spcPts val="3000"/>
+              </a:lnSpc>
+              <a:buFont typeface="+mj-lt"/>
+              <a:buAutoNum type="arabicPeriod"/>
+            </a:pPr>
+            <a:r>
+              <a:rPr lang="zh-TW" altLang="en-US" dirty="0" smtClean="0">
+                <a:latin typeface="微軟正黑體" panose="020B0604030504040204" pitchFamily="34" charset="-120"/>
+                <a:ea typeface="微軟正黑體" panose="020B0604030504040204" pitchFamily="34" charset="-120"/>
+              </a:rPr>
+              <a:t>在音樂類的部分，觀看次數的提升，猜測與觀眾使用習慣有關，把</a:t>
+            </a:r>
+            <a:r>
+              <a:rPr lang="en-US" altLang="zh-TW" dirty="0">
+                <a:latin typeface="微軟正黑體" panose="020B0604030504040204" pitchFamily="34" charset="-120"/>
+                <a:ea typeface="微軟正黑體" panose="020B0604030504040204" pitchFamily="34" charset="-120"/>
+              </a:rPr>
+              <a:t>Y</a:t>
+            </a:r>
+            <a:r>
+              <a:rPr lang="en-US" altLang="zh-TW" dirty="0" smtClean="0">
+                <a:latin typeface="微軟正黑體" panose="020B0604030504040204" pitchFamily="34" charset="-120"/>
+                <a:ea typeface="微軟正黑體" panose="020B0604030504040204" pitchFamily="34" charset="-120"/>
+              </a:rPr>
+              <a:t>ouTube</a:t>
+            </a:r>
+            <a:r>
+              <a:rPr lang="zh-TW" altLang="en-US" dirty="0" smtClean="0">
+                <a:latin typeface="微軟正黑體" panose="020B0604030504040204" pitchFamily="34" charset="-120"/>
+                <a:ea typeface="微軟正黑體" panose="020B0604030504040204" pitchFamily="34" charset="-120"/>
+              </a:rPr>
+              <a:t>當</a:t>
             </a:r>
             <a:r>
               <a:rPr lang="zh-TW" altLang="en-US" dirty="0">
                 <a:latin typeface="微軟正黑體" panose="020B0604030504040204" pitchFamily="34" charset="-120"/>
                 <a:ea typeface="微軟正黑體" panose="020B0604030504040204" pitchFamily="34" charset="-120"/>
               </a:rPr>
-              <a:t>想看的是什麼</a:t>
+              <a:t>線</a:t>
             </a:r>
             <a:r>
               <a:rPr lang="zh-TW" altLang="en-US" dirty="0" smtClean="0">
                 <a:latin typeface="微軟正黑體" panose="020B0604030504040204" pitchFamily="34" charset="-120"/>
                 <a:ea typeface="微軟正黑體" panose="020B0604030504040204" pitchFamily="34" charset="-120"/>
               </a:rPr>
-              <a:t>？</a:t>
+              <a:t>上音樂庫</a:t>
+            </a:r>
+            <a:r>
+              <a:rPr lang="en-US" altLang="zh-TW" dirty="0" smtClean="0">
+                <a:latin typeface="微軟正黑體" panose="020B0604030504040204" pitchFamily="34" charset="-120"/>
+                <a:ea typeface="微軟正黑體" panose="020B0604030504040204" pitchFamily="34" charset="-120"/>
+              </a:rPr>
+              <a:t>Loop</a:t>
+            </a:r>
+            <a:r>
+              <a:rPr lang="zh-TW" altLang="en-US" dirty="0" smtClean="0">
+                <a:latin typeface="微軟正黑體" panose="020B0604030504040204" pitchFamily="34" charset="-120"/>
+                <a:ea typeface="微軟正黑體" panose="020B0604030504040204" pitchFamily="34" charset="-120"/>
+              </a:rPr>
+              <a:t>撥放。然而關注度只是普普。</a:t>
             </a:r>
             <a:endParaRPr lang="en-US" altLang="zh-TW" dirty="0" smtClean="0">
               <a:latin typeface="微軟正黑體" panose="020B0604030504040204" pitchFamily="34" charset="-120"/>
@@ -18674,161 +17871,206 @@
             </a:endParaRPr>
           </a:p>
           <a:p>
-            <a:pPr marL="285750" indent="-285750">
+            <a:pPr marL="342900" indent="-342900">
               <a:lnSpc>
                 <a:spcPts val="3000"/>
               </a:lnSpc>
-              <a:buFont typeface="Arial" panose="020B0604020202020204" pitchFamily="34" charset="0"/>
-              <a:buChar char="•"/>
-              <a:defRPr/>
+              <a:buFont typeface="+mj-lt"/>
+              <a:buAutoNum type="arabicPeriod"/>
+            </a:pPr>
+            <a:r>
+              <a:rPr lang="en-US" altLang="zh-TW" dirty="0" smtClean="0">
+                <a:latin typeface="微軟正黑體" panose="020B0604030504040204" pitchFamily="34" charset="-120"/>
+                <a:ea typeface="微軟正黑體" panose="020B0604030504040204" pitchFamily="34" charset="-120"/>
+              </a:rPr>
+              <a:t>3????</a:t>
+            </a:r>
+          </a:p>
+          <a:p>
+            <a:pPr marL="342900" indent="-342900">
+              <a:lnSpc>
+                <a:spcPts val="3000"/>
+              </a:lnSpc>
+              <a:buFont typeface="+mj-lt"/>
+              <a:buAutoNum type="arabicPeriod"/>
+            </a:pPr>
+            <a:r>
+              <a:rPr lang="en-US" altLang="zh-TW" dirty="0" smtClean="0">
+                <a:latin typeface="微軟正黑體" panose="020B0604030504040204" pitchFamily="34" charset="-120"/>
+                <a:ea typeface="微軟正黑體" panose="020B0604030504040204" pitchFamily="34" charset="-120"/>
+              </a:rPr>
+              <a:t>NULL???</a:t>
+            </a:r>
+            <a:endParaRPr lang="en-US" altLang="zh-TW" dirty="0" smtClean="0">
+              <a:latin typeface="微軟正黑體" panose="020B0604030504040204" pitchFamily="34" charset="-120"/>
+              <a:ea typeface="微軟正黑體" panose="020B0604030504040204" pitchFamily="34" charset="-120"/>
+            </a:endParaRPr>
+          </a:p>
+          <a:p>
+            <a:pPr marL="342900" indent="-342900">
+              <a:lnSpc>
+                <a:spcPts val="3000"/>
+              </a:lnSpc>
+              <a:buFont typeface="+mj-lt"/>
+              <a:buAutoNum type="arabicPeriod"/>
             </a:pPr>
             <a:r>
               <a:rPr lang="zh-TW" altLang="en-US" dirty="0" smtClean="0">
                 <a:latin typeface="微軟正黑體" panose="020B0604030504040204" pitchFamily="34" charset="-120"/>
                 <a:ea typeface="微軟正黑體" panose="020B0604030504040204" pitchFamily="34" charset="-120"/>
               </a:rPr>
-              <a:t>現在</a:t>
+              <a:t>標籤數越多不見得會提升觀看數</a:t>
+            </a:r>
+            <a:r>
+              <a:rPr lang="en-US" altLang="zh-TW" dirty="0" smtClean="0">
+                <a:latin typeface="微軟正黑體" panose="020B0604030504040204" pitchFamily="34" charset="-120"/>
+                <a:ea typeface="微軟正黑體" panose="020B0604030504040204" pitchFamily="34" charset="-120"/>
+              </a:rPr>
+              <a:t>(</a:t>
             </a:r>
             <a:r>
               <a:rPr lang="zh-TW" altLang="en-US" dirty="0">
                 <a:latin typeface="微軟正黑體" panose="020B0604030504040204" pitchFamily="34" charset="-120"/>
                 <a:ea typeface="微軟正黑體" panose="020B0604030504040204" pitchFamily="34" charset="-120"/>
               </a:rPr>
-              <a:t>的流行趨勢是什麼</a:t>
+              <a:t>不見得被</a:t>
             </a:r>
             <a:r>
               <a:rPr lang="zh-TW" altLang="en-US" dirty="0" smtClean="0">
                 <a:latin typeface="微軟正黑體" panose="020B0604030504040204" pitchFamily="34" charset="-120"/>
                 <a:ea typeface="微軟正黑體" panose="020B0604030504040204" pitchFamily="34" charset="-120"/>
               </a:rPr>
-              <a:t>？</a:t>
-            </a:r>
-            <a:endParaRPr lang="en-US" altLang="zh-TW" dirty="0" smtClean="0">
-              <a:latin typeface="微軟正黑體" panose="020B0604030504040204" pitchFamily="34" charset="-120"/>
-              <a:ea typeface="微軟正黑體" panose="020B0604030504040204" pitchFamily="34" charset="-120"/>
-            </a:endParaRPr>
-          </a:p>
-          <a:p>
-            <a:pPr marL="285750" indent="-285750">
+              <a:t>推薦</a:t>
+            </a:r>
+            <a:r>
+              <a:rPr lang="en-US" altLang="zh-TW" dirty="0" smtClean="0">
+                <a:latin typeface="微軟正黑體" panose="020B0604030504040204" pitchFamily="34" charset="-120"/>
+                <a:ea typeface="微軟正黑體" panose="020B0604030504040204" pitchFamily="34" charset="-120"/>
+              </a:rPr>
+              <a:t>)</a:t>
+            </a:r>
+          </a:p>
+          <a:p>
+            <a:pPr marL="342900" indent="-342900">
               <a:lnSpc>
                 <a:spcPts val="3000"/>
               </a:lnSpc>
-              <a:buFont typeface="Arial" panose="020B0604020202020204" pitchFamily="34" charset="0"/>
-              <a:buChar char="•"/>
-              <a:defRPr/>
+              <a:buFont typeface="+mj-lt"/>
+              <a:buAutoNum type="arabicPeriod"/>
+            </a:pPr>
+            <a:r>
+              <a:rPr lang="en-US" altLang="zh-TW" dirty="0" smtClean="0">
+                <a:latin typeface="微軟正黑體" panose="020B0604030504040204" pitchFamily="34" charset="-120"/>
+                <a:ea typeface="微軟正黑體" panose="020B0604030504040204" pitchFamily="34" charset="-120"/>
+              </a:rPr>
+              <a:t>URL???</a:t>
+            </a:r>
+          </a:p>
+          <a:p>
+            <a:pPr marL="342900" indent="-342900">
+              <a:lnSpc>
+                <a:spcPts val="3000"/>
+              </a:lnSpc>
+              <a:buFont typeface="+mj-lt"/>
+              <a:buAutoNum type="arabicPeriod"/>
             </a:pPr>
             <a:r>
               <a:rPr lang="zh-TW" altLang="en-US" dirty="0" smtClean="0">
                 <a:latin typeface="微軟正黑體" panose="020B0604030504040204" pitchFamily="34" charset="-120"/>
                 <a:ea typeface="微軟正黑體" panose="020B0604030504040204" pitchFamily="34" charset="-120"/>
               </a:rPr>
-              <a:t>創作</a:t>
+              <a:t>在特定時間點做同性質影片會提高觀看數</a:t>
+            </a:r>
+            <a:r>
+              <a:rPr lang="en-US" altLang="zh-TW" dirty="0" smtClean="0">
+                <a:latin typeface="微軟正黑體" panose="020B0604030504040204" pitchFamily="34" charset="-120"/>
+                <a:ea typeface="微軟正黑體" panose="020B0604030504040204" pitchFamily="34" charset="-120"/>
+              </a:rPr>
+              <a:t>(</a:t>
             </a:r>
             <a:r>
               <a:rPr lang="zh-TW" altLang="en-US" dirty="0">
                 <a:latin typeface="微軟正黑體" panose="020B0604030504040204" pitchFamily="34" charset="-120"/>
                 <a:ea typeface="微軟正黑體" panose="020B0604030504040204" pitchFamily="34" charset="-120"/>
               </a:rPr>
-              <a:t>者現在要做的又是什麼？</a:t>
-            </a:r>
-            <a:br>
-              <a:rPr lang="zh-TW" altLang="en-US" dirty="0">
-                <a:latin typeface="微軟正黑體" panose="020B0604030504040204" pitchFamily="34" charset="-120"/>
-                <a:ea typeface="微軟正黑體" panose="020B0604030504040204" pitchFamily="34" charset="-120"/>
-              </a:rPr>
-            </a:br>
-            <a:r>
-              <a:rPr lang="zh-TW" altLang="en-US" dirty="0">
-                <a:latin typeface="微軟正黑體" panose="020B0604030504040204" pitchFamily="34" charset="-120"/>
-                <a:ea typeface="微軟正黑體" panose="020B0604030504040204" pitchFamily="34" charset="-120"/>
-              </a:rPr>
-              <a:t>為了在社群媒體</a:t>
-            </a:r>
-            <a:r>
-              <a:rPr lang="en-US" altLang="zh-TW" dirty="0">
-                <a:latin typeface="微軟正黑體" panose="020B0604030504040204" pitchFamily="34" charset="-120"/>
-                <a:ea typeface="微軟正黑體" panose="020B0604030504040204" pitchFamily="34" charset="-120"/>
-              </a:rPr>
-              <a:t>(</a:t>
-            </a:r>
-            <a:r>
-              <a:rPr lang="en-US" altLang="zh-TW" dirty="0" err="1">
-                <a:latin typeface="微軟正黑體" panose="020B0604030504040204" pitchFamily="34" charset="-120"/>
-                <a:ea typeface="微軟正黑體" panose="020B0604030504040204" pitchFamily="34" charset="-120"/>
-              </a:rPr>
-              <a:t>Youtube</a:t>
-            </a:r>
-            <a:r>
-              <a:rPr lang="en-US" altLang="zh-TW" dirty="0">
+              <a:t>被推薦</a:t>
+            </a:r>
+            <a:r>
+              <a:rPr lang="en-US" altLang="zh-TW" dirty="0" smtClean="0">
                 <a:latin typeface="微軟正黑體" panose="020B0604030504040204" pitchFamily="34" charset="-120"/>
                 <a:ea typeface="微軟正黑體" panose="020B0604030504040204" pitchFamily="34" charset="-120"/>
               </a:rPr>
               <a:t>)</a:t>
             </a:r>
-            <a:r>
-              <a:rPr lang="zh-TW" altLang="en-US" dirty="0">
-                <a:latin typeface="微軟正黑體" panose="020B0604030504040204" pitchFamily="34" charset="-120"/>
-                <a:ea typeface="微軟正黑體" panose="020B0604030504040204" pitchFamily="34" charset="-120"/>
-              </a:rPr>
-              <a:t>中脫穎而出，除了要有夠好的創意之外</a:t>
-            </a:r>
-            <a:r>
-              <a:rPr lang="zh-TW" altLang="en-US" dirty="0" smtClean="0">
-                <a:latin typeface="微軟正黑體" panose="020B0604030504040204" pitchFamily="34" charset="-120"/>
-                <a:ea typeface="微軟正黑體" panose="020B0604030504040204" pitchFamily="34" charset="-120"/>
-              </a:rPr>
-              <a:t>，曝光</a:t>
-            </a:r>
-            <a:r>
-              <a:rPr lang="zh-TW" altLang="en-US" dirty="0">
-                <a:latin typeface="微軟正黑體" panose="020B0604030504040204" pitchFamily="34" charset="-120"/>
-                <a:ea typeface="微軟正黑體" panose="020B0604030504040204" pitchFamily="34" charset="-120"/>
-              </a:rPr>
-              <a:t>也很重要，如何能夠接觸到觀眾，和理解社群媒體自身的演算法很有關！</a:t>
-            </a:r>
-            <a:br>
-              <a:rPr lang="zh-TW" altLang="en-US" dirty="0">
-                <a:latin typeface="微軟正黑體" panose="020B0604030504040204" pitchFamily="34" charset="-120"/>
-                <a:ea typeface="微軟正黑體" panose="020B0604030504040204" pitchFamily="34" charset="-120"/>
-              </a:rPr>
-            </a:br>
-            <a:r>
-              <a:rPr lang="zh-TW" altLang="en-US" dirty="0">
-                <a:latin typeface="微軟正黑體" panose="020B0604030504040204" pitchFamily="34" charset="-120"/>
-                <a:ea typeface="微軟正黑體" panose="020B0604030504040204" pitchFamily="34" charset="-120"/>
-              </a:rPr>
-              <a:t>我們將根據以上的問題做繼續深入探討</a:t>
-            </a:r>
-            <a:r>
-              <a:rPr lang="zh-TW" altLang="en-US" dirty="0" smtClean="0">
-                <a:latin typeface="微軟正黑體" panose="020B0604030504040204" pitchFamily="34" charset="-120"/>
-                <a:ea typeface="微軟正黑體" panose="020B0604030504040204" pitchFamily="34" charset="-120"/>
-              </a:rPr>
-              <a:t>。</a:t>
-            </a:r>
-            <a:endParaRPr lang="zh-TW" altLang="en-US" dirty="0">
-              <a:latin typeface="微軟正黑體" panose="020B0604030504040204" pitchFamily="34" charset="-120"/>
-              <a:ea typeface="微軟正黑體" panose="020B0604030504040204" pitchFamily="34" charset="-120"/>
-            </a:endParaRPr>
+          </a:p>
+        </p:txBody>
+      </p:sp>
+      <p:sp>
+        <p:nvSpPr>
+          <p:cNvPr id="10" name="文字方塊 9"/>
+          <p:cNvSpPr txBox="1"/>
+          <p:nvPr/>
+        </p:nvSpPr>
+        <p:spPr>
+          <a:xfrm>
+            <a:off x="9326547" y="1228736"/>
+            <a:ext cx="1848431" cy="400110"/>
+          </a:xfrm>
+          <a:prstGeom prst="rect">
+            <a:avLst/>
+          </a:prstGeom>
+          <a:solidFill>
+            <a:srgbClr val="FF0000"/>
+          </a:solidFill>
+          <a:ln>
+            <a:solidFill>
+              <a:srgbClr val="FF0000"/>
+            </a:solidFill>
+          </a:ln>
+        </p:spPr>
+        <p:txBody>
+          <a:bodyPr wrap="square" rtlCol="0">
+            <a:spAutoFit/>
+          </a:bodyPr>
+          <a:lstStyle/>
+          <a:p>
+            <a:pPr algn="ctr"/>
+            <a:r>
+              <a:rPr lang="zh-TW" altLang="en-US" sz="2000" b="1" dirty="0" smtClean="0"/>
+              <a:t>訂閱</a:t>
+            </a:r>
+            <a:r>
+              <a:rPr lang="zh-TW" altLang="en-US" sz="2000" b="1" dirty="0" smtClean="0"/>
+              <a:t>（</a:t>
+            </a:r>
+            <a:r>
+              <a:rPr lang="en-US" altLang="zh-TW" sz="2000" b="1" dirty="0" smtClean="0"/>
+              <a:t>666</a:t>
+            </a:r>
+            <a:r>
+              <a:rPr lang="zh-TW" altLang="en-US" sz="2000" b="1" dirty="0" smtClean="0"/>
+              <a:t>）</a:t>
+            </a:r>
+            <a:endParaRPr lang="zh-TW" altLang="en-US" sz="2000" b="1" dirty="0"/>
           </a:p>
         </p:txBody>
       </p:sp>
       <p:graphicFrame>
         <p:nvGraphicFramePr>
-          <p:cNvPr id="4" name="表格 3"/>
+          <p:cNvPr id="39" name="表格 38"/>
           <p:cNvGraphicFramePr>
             <a:graphicFrameLocks noGrp="1"/>
           </p:cNvGraphicFramePr>
           <p:nvPr>
             <p:extLst>
               <p:ext uri="{D42A27DB-BD31-4B8C-83A1-F6EECF244321}">
-                <p14:modId xmlns:p14="http://schemas.microsoft.com/office/powerpoint/2010/main" val="1052471405"/>
+                <p14:modId xmlns:p14="http://schemas.microsoft.com/office/powerpoint/2010/main" val="2227526709"/>
               </p:ext>
             </p:extLst>
           </p:nvPr>
         </p:nvGraphicFramePr>
         <p:xfrm>
-          <a:off x="7100149" y="2718932"/>
+          <a:off x="7072853" y="2637044"/>
           <a:ext cx="2700932" cy="1854171"/>
         </p:xfrm>
         <a:graphic>
@@ -18853,10 +18095,10 @@
                     <a:lstStyle/>
                     <a:p>
                       <a:r>
-                        <a:rPr lang="zh-TW" altLang="en-US" b="1" dirty="0" smtClean="0"/>
+                        <a:rPr lang="zh-TW" altLang="en-US" sz="2000" b="1" dirty="0" smtClean="0"/>
                         <a:t>統計資料</a:t>
                       </a:r>
-                      <a:endParaRPr lang="en-US" altLang="zh-TW" b="1" dirty="0" smtClean="0"/>
+                      <a:endParaRPr lang="en-US" altLang="zh-TW" sz="2000" b="1" dirty="0" smtClean="0"/>
                     </a:p>
                   </a:txBody>
                   <a:tcPr anchor="ctr">
@@ -18976,11 +18218,15 @@
                     <a:p>
                       <a:r>
                         <a:rPr lang="zh-TW" altLang="en-US" dirty="0" smtClean="0"/>
-                        <a:t>觀看次數：</a:t>
+                        <a:t>觀看次數</a:t>
+                      </a:r>
+                      <a:r>
+                        <a:rPr lang="zh-TW" altLang="en-US" dirty="0" smtClean="0"/>
+                        <a:t>：</a:t>
                       </a:r>
                       <a:r>
                         <a:rPr lang="en-US" altLang="zh-TW" dirty="0" smtClean="0"/>
-                        <a:t>62</a:t>
+                        <a:t>666666</a:t>
                       </a:r>
                       <a:endParaRPr lang="zh-TW" altLang="en-US" dirty="0"/>
                     </a:p>
@@ -19026,20 +18272,20 @@
       </p:graphicFrame>
       <p:graphicFrame>
         <p:nvGraphicFramePr>
-          <p:cNvPr id="24" name="表格 23"/>
+          <p:cNvPr id="40" name="表格 39"/>
           <p:cNvGraphicFramePr>
             <a:graphicFrameLocks noGrp="1"/>
           </p:cNvGraphicFramePr>
           <p:nvPr>
             <p:extLst>
               <p:ext uri="{D42A27DB-BD31-4B8C-83A1-F6EECF244321}">
-                <p14:modId xmlns:p14="http://schemas.microsoft.com/office/powerpoint/2010/main" val="1220968392"/>
+                <p14:modId xmlns:p14="http://schemas.microsoft.com/office/powerpoint/2010/main" val="1491858126"/>
               </p:ext>
             </p:extLst>
           </p:nvPr>
         </p:nvGraphicFramePr>
         <p:xfrm>
-          <a:off x="10035201" y="2866952"/>
+          <a:off x="10035201" y="2771416"/>
           <a:ext cx="2144856" cy="3092154"/>
         </p:xfrm>
         <a:graphic>
@@ -19064,10 +18310,10 @@
                     <a:lstStyle/>
                     <a:p>
                       <a:r>
-                        <a:rPr lang="zh-TW" altLang="en-US" sz="1800" b="1" dirty="0" smtClean="0"/>
+                        <a:rPr lang="zh-TW" altLang="en-US" sz="2000" b="1" dirty="0" smtClean="0"/>
                         <a:t>精選頻道</a:t>
                       </a:r>
-                      <a:endParaRPr lang="en-US" altLang="zh-TW" sz="1800" b="1" dirty="0" smtClean="0"/>
+                      <a:endParaRPr lang="en-US" altLang="zh-TW" sz="2000" b="1" dirty="0" smtClean="0"/>
                     </a:p>
                   </a:txBody>
                   <a:tcPr/>
@@ -19184,13 +18430,13 @@
       </p:graphicFrame>
       <p:grpSp>
         <p:nvGrpSpPr>
-          <p:cNvPr id="5" name="群組 4"/>
+          <p:cNvPr id="41" name="群組 40"/>
           <p:cNvGrpSpPr/>
           <p:nvPr/>
         </p:nvGrpSpPr>
         <p:grpSpPr>
           <a:xfrm>
-            <a:off x="10085708" y="4023674"/>
+            <a:off x="10085708" y="3941786"/>
             <a:ext cx="1372867" cy="338555"/>
             <a:chOff x="10138635" y="3118007"/>
             <a:chExt cx="1372867" cy="338555"/>
@@ -19198,7 +18444,7 @@
         </p:grpSpPr>
         <p:sp>
           <p:nvSpPr>
-            <p:cNvPr id="26" name="圓角矩形 25"/>
+            <p:cNvPr id="42" name="圓角矩形 41"/>
             <p:cNvSpPr/>
             <p:nvPr/>
           </p:nvSpPr>
@@ -19257,7 +18503,7 @@
         </p:sp>
         <p:sp>
           <p:nvSpPr>
-            <p:cNvPr id="27" name="文字方塊 26"/>
+            <p:cNvPr id="43" name="文字方塊 42"/>
             <p:cNvSpPr txBox="1"/>
             <p:nvPr/>
           </p:nvSpPr>
@@ -19321,13 +18567,13 @@
       </p:grpSp>
       <p:grpSp>
         <p:nvGrpSpPr>
-          <p:cNvPr id="32" name="群組 31"/>
+          <p:cNvPr id="44" name="群組 43"/>
           <p:cNvGrpSpPr/>
           <p:nvPr/>
         </p:nvGrpSpPr>
         <p:grpSpPr>
           <a:xfrm>
-            <a:off x="10085708" y="5280974"/>
+            <a:off x="10085708" y="5199086"/>
             <a:ext cx="1372867" cy="338555"/>
             <a:chOff x="10138635" y="3118007"/>
             <a:chExt cx="1372867" cy="338555"/>
@@ -19335,7 +18581,7 @@
         </p:grpSpPr>
         <p:sp>
           <p:nvSpPr>
-            <p:cNvPr id="37" name="圓角矩形 36"/>
+            <p:cNvPr id="45" name="圓角矩形 44"/>
             <p:cNvSpPr/>
             <p:nvPr/>
           </p:nvSpPr>
@@ -19394,7 +18640,7 @@
         </p:sp>
         <p:sp>
           <p:nvSpPr>
-            <p:cNvPr id="38" name="文字方塊 37"/>
+            <p:cNvPr id="46" name="文字方塊 45"/>
             <p:cNvSpPr txBox="1"/>
             <p:nvPr/>
           </p:nvSpPr>
@@ -19458,7 +18704,7 @@
       </p:grpSp>
       <p:pic>
         <p:nvPicPr>
-          <p:cNvPr id="6" name="圖片 5" descr="畫面剪輯"/>
+          <p:cNvPr id="47" name="圖片 46" descr="畫面剪輯"/>
           <p:cNvPicPr>
             <a:picLocks noChangeAspect="1"/>
           </p:cNvPicPr>
@@ -19478,7 +18724,7 @@
         </p:blipFill>
         <p:spPr>
           <a:xfrm>
-            <a:off x="10080365" y="3504172"/>
+            <a:off x="10080365" y="3408636"/>
             <a:ext cx="436978" cy="452773"/>
           </a:xfrm>
           <a:prstGeom prst="ellipse">
@@ -19510,7 +18756,7 @@
       </p:pic>
       <p:pic>
         <p:nvPicPr>
-          <p:cNvPr id="9" name="圖片 8" descr="畫面剪輯"/>
+          <p:cNvPr id="48" name="圖片 47" descr="畫面剪輯"/>
           <p:cNvPicPr>
             <a:picLocks noChangeAspect="1"/>
           </p:cNvPicPr>
@@ -19530,7 +18776,7 @@
         </p:blipFill>
         <p:spPr>
           <a:xfrm>
-            <a:off x="10080365" y="4651576"/>
+            <a:off x="10080365" y="4556040"/>
             <a:ext cx="466856" cy="462092"/>
           </a:xfrm>
           <a:prstGeom prst="ellipse">
@@ -19560,52 +18806,6 @@
           </a:sp3d>
         </p:spPr>
       </p:pic>
-      <p:sp>
-        <p:nvSpPr>
-          <p:cNvPr id="10" name="文字方塊 9"/>
-          <p:cNvSpPr txBox="1"/>
-          <p:nvPr/>
-        </p:nvSpPr>
-        <p:spPr>
-          <a:xfrm>
-            <a:off x="9326547" y="1228736"/>
-            <a:ext cx="1848431" cy="400110"/>
-          </a:xfrm>
-          <a:prstGeom prst="rect">
-            <a:avLst/>
-          </a:prstGeom>
-          <a:solidFill>
-            <a:srgbClr val="FF0000"/>
-          </a:solidFill>
-          <a:ln>
-            <a:solidFill>
-              <a:srgbClr val="FF0000"/>
-            </a:solidFill>
-          </a:ln>
-        </p:spPr>
-        <p:txBody>
-          <a:bodyPr wrap="square" rtlCol="0">
-            <a:spAutoFit/>
-          </a:bodyPr>
-          <a:lstStyle/>
-          <a:p>
-            <a:pPr algn="ctr"/>
-            <a:r>
-              <a:rPr lang="zh-TW" altLang="en-US" sz="2000" b="1" dirty="0" smtClean="0"/>
-              <a:t>訂閱（</a:t>
-            </a:r>
-            <a:r>
-              <a:rPr lang="en-US" altLang="zh-TW" sz="2000" b="1" dirty="0" smtClean="0"/>
-              <a:t>12</a:t>
-            </a:r>
-            <a:r>
-              <a:rPr lang="zh-TW" altLang="en-US" sz="2000" b="1" dirty="0" smtClean="0"/>
-              <a:t>）</a:t>
-            </a:r>
-            <a:endParaRPr lang="zh-TW" altLang="en-US" sz="2000" b="1" dirty="0"/>
-          </a:p>
-        </p:txBody>
-      </p:sp>
     </p:spTree>
     <p:extLst>
       <p:ext uri="{BB962C8B-B14F-4D97-AF65-F5344CB8AC3E}">
